--- a/trunk/Powerpoint/projetsynthese.pptx
+++ b/trunk/Powerpoint/projetsynthese.pptx
@@ -5,17 +5,20 @@
     <p:sldMasterId id="2147483660" r:id="rId1"/>
   </p:sldMasterIdLst>
   <p:notesMasterIdLst>
-    <p:notesMasterId r:id="rId10"/>
+    <p:notesMasterId r:id="rId13"/>
   </p:notesMasterIdLst>
   <p:sldIdLst>
     <p:sldId id="256" r:id="rId2"/>
     <p:sldId id="258" r:id="rId3"/>
-    <p:sldId id="259" r:id="rId4"/>
-    <p:sldId id="260" r:id="rId5"/>
-    <p:sldId id="261" r:id="rId6"/>
-    <p:sldId id="262" r:id="rId7"/>
-    <p:sldId id="263" r:id="rId8"/>
-    <p:sldId id="264" r:id="rId9"/>
+    <p:sldId id="265" r:id="rId4"/>
+    <p:sldId id="259" r:id="rId5"/>
+    <p:sldId id="260" r:id="rId6"/>
+    <p:sldId id="267" r:id="rId7"/>
+    <p:sldId id="261" r:id="rId8"/>
+    <p:sldId id="262" r:id="rId9"/>
+    <p:sldId id="263" r:id="rId10"/>
+    <p:sldId id="264" r:id="rId11"/>
+    <p:sldId id="266" r:id="rId12"/>
   </p:sldIdLst>
   <p:sldSz cx="9144000" cy="6858000" type="screen4x3"/>
   <p:notesSz cx="6858000" cy="9144000"/>
@@ -200,7 +203,7 @@
             <a:fld id="{5F3B6B28-F4B8-452A-A8CD-270058C776D0}" type="datetimeFigureOut">
               <a:rPr lang="fr-FR" smtClean="0"/>
               <a:pPr/>
-              <a:t>01/11/2010</a:t>
+              <a:t>02/11/2010</a:t>
             </a:fld>
             <a:endParaRPr lang="fr-FR"/>
           </a:p>
@@ -851,7 +854,7 @@
             <a:fld id="{AA309A6D-C09C-4548-B29A-6CF363A7E532}" type="datetimeFigureOut">
               <a:rPr lang="fr-FR" smtClean="0"/>
               <a:pPr/>
-              <a:t>01/11/2010</a:t>
+              <a:t>02/11/2010</a:t>
             </a:fld>
             <a:endParaRPr lang="fr-BE"/>
           </a:p>
@@ -1018,7 +1021,7 @@
             <a:fld id="{AA309A6D-C09C-4548-B29A-6CF363A7E532}" type="datetimeFigureOut">
               <a:rPr lang="fr-FR" smtClean="0"/>
               <a:pPr/>
-              <a:t>01/11/2010</a:t>
+              <a:t>02/11/2010</a:t>
             </a:fld>
             <a:endParaRPr lang="fr-BE"/>
           </a:p>
@@ -1195,7 +1198,7 @@
             <a:fld id="{AA309A6D-C09C-4548-B29A-6CF363A7E532}" type="datetimeFigureOut">
               <a:rPr lang="fr-FR" smtClean="0"/>
               <a:pPr/>
-              <a:t>01/11/2010</a:t>
+              <a:t>02/11/2010</a:t>
             </a:fld>
             <a:endParaRPr lang="fr-BE"/>
           </a:p>
@@ -1366,7 +1369,7 @@
             <a:fld id="{AA309A6D-C09C-4548-B29A-6CF363A7E532}" type="datetimeFigureOut">
               <a:rPr lang="fr-FR" smtClean="0"/>
               <a:pPr/>
-              <a:t>01/11/2010</a:t>
+              <a:t>02/11/2010</a:t>
             </a:fld>
             <a:endParaRPr lang="fr-BE"/>
           </a:p>
@@ -1823,7 +1826,7 @@
             <a:fld id="{AA309A6D-C09C-4548-B29A-6CF363A7E532}" type="datetimeFigureOut">
               <a:rPr lang="fr-FR" smtClean="0"/>
               <a:pPr/>
-              <a:t>01/11/2010</a:t>
+              <a:t>02/11/2010</a:t>
             </a:fld>
             <a:endParaRPr lang="fr-BE"/>
           </a:p>
@@ -2089,7 +2092,7 @@
             <a:fld id="{AA309A6D-C09C-4548-B29A-6CF363A7E532}" type="datetimeFigureOut">
               <a:rPr lang="fr-FR" smtClean="0"/>
               <a:pPr/>
-              <a:t>01/11/2010</a:t>
+              <a:t>02/11/2010</a:t>
             </a:fld>
             <a:endParaRPr lang="fr-BE"/>
           </a:p>
@@ -2465,7 +2468,7 @@
             <a:fld id="{AA309A6D-C09C-4548-B29A-6CF363A7E532}" type="datetimeFigureOut">
               <a:rPr lang="fr-FR" smtClean="0"/>
               <a:pPr/>
-              <a:t>01/11/2010</a:t>
+              <a:t>02/11/2010</a:t>
             </a:fld>
             <a:endParaRPr lang="fr-BE"/>
           </a:p>
@@ -2589,7 +2592,7 @@
             <a:fld id="{AA309A6D-C09C-4548-B29A-6CF363A7E532}" type="datetimeFigureOut">
               <a:rPr lang="fr-FR" smtClean="0"/>
               <a:pPr/>
-              <a:t>01/11/2010</a:t>
+              <a:t>02/11/2010</a:t>
             </a:fld>
             <a:endParaRPr lang="fr-BE"/>
           </a:p>
@@ -2681,7 +2684,7 @@
             <a:fld id="{AA309A6D-C09C-4548-B29A-6CF363A7E532}" type="datetimeFigureOut">
               <a:rPr lang="fr-FR" smtClean="0"/>
               <a:pPr/>
-              <a:t>01/11/2010</a:t>
+              <a:t>02/11/2010</a:t>
             </a:fld>
             <a:endParaRPr lang="fr-BE"/>
           </a:p>
@@ -2932,7 +2935,7 @@
             <a:fld id="{AA309A6D-C09C-4548-B29A-6CF363A7E532}" type="datetimeFigureOut">
               <a:rPr lang="fr-FR" smtClean="0"/>
               <a:pPr/>
-              <a:t>01/11/2010</a:t>
+              <a:t>02/11/2010</a:t>
             </a:fld>
             <a:endParaRPr lang="fr-BE"/>
           </a:p>
@@ -3193,7 +3196,7 @@
             <a:fld id="{AA309A6D-C09C-4548-B29A-6CF363A7E532}" type="datetimeFigureOut">
               <a:rPr lang="fr-FR" smtClean="0"/>
               <a:pPr/>
-              <a:t>01/11/2010</a:t>
+              <a:t>02/11/2010</a:t>
             </a:fld>
             <a:endParaRPr lang="fr-BE"/>
           </a:p>
@@ -3599,7 +3602,7 @@
             <a:fld id="{AA309A6D-C09C-4548-B29A-6CF363A7E532}" type="datetimeFigureOut">
               <a:rPr lang="fr-FR" smtClean="0"/>
               <a:pPr/>
-              <a:t>01/11/2010</a:t>
+              <a:t>02/11/2010</a:t>
             </a:fld>
             <a:endParaRPr lang="fr-BE"/>
           </a:p>
@@ -4058,6 +4061,809 @@
 </p:sld>
 </file>
 
+<file path=ppt/slides/slide10.xml><?xml version="1.0" encoding="utf-8"?>
+<p:sld xmlns:a="http://schemas.openxmlformats.org/drawingml/2006/main" xmlns:r="http://schemas.openxmlformats.org/officeDocument/2006/relationships" xmlns:p="http://schemas.openxmlformats.org/presentationml/2006/main">
+  <p:cSld>
+    <p:spTree>
+      <p:nvGrpSpPr>
+        <p:cNvPr id="1" name=""/>
+        <p:cNvGrpSpPr/>
+        <p:nvPr/>
+      </p:nvGrpSpPr>
+      <p:grpSpPr>
+        <a:xfrm>
+          <a:off x="0" y="0"/>
+          <a:ext cx="0" cy="0"/>
+          <a:chOff x="0" y="0"/>
+          <a:chExt cx="0" cy="0"/>
+        </a:xfrm>
+      </p:grpSpPr>
+      <p:sp>
+        <p:nvSpPr>
+          <p:cNvPr id="2" name="Titre 1"/>
+          <p:cNvSpPr>
+            <a:spLocks noGrp="1"/>
+          </p:cNvSpPr>
+          <p:nvPr>
+            <p:ph type="title"/>
+          </p:nvPr>
+        </p:nvSpPr>
+        <p:spPr/>
+        <p:txBody>
+          <a:bodyPr>
+            <a:normAutofit/>
+          </a:bodyPr>
+          <a:lstStyle/>
+          <a:p>
+            <a:r>
+              <a:rPr lang="fr-FR" dirty="0" err="1" smtClean="0"/>
+              <a:t>Kerberos</a:t>
+            </a:r>
+            <a:endParaRPr lang="fr-FR" dirty="0"/>
+          </a:p>
+        </p:txBody>
+      </p:sp>
+      <p:pic>
+        <p:nvPicPr>
+          <p:cNvPr id="4" name="Picture 3" descr="C:\Users\William\Desktop\client.png"/>
+          <p:cNvPicPr>
+            <a:picLocks noChangeAspect="1" noChangeArrowheads="1"/>
+          </p:cNvPicPr>
+          <p:nvPr/>
+        </p:nvPicPr>
+        <p:blipFill>
+          <a:blip r:embed="rId2" cstate="print"/>
+          <a:srcRect/>
+          <a:stretch>
+            <a:fillRect/>
+          </a:stretch>
+        </p:blipFill>
+        <p:spPr bwMode="auto">
+          <a:xfrm>
+            <a:off x="1187624" y="2204864"/>
+            <a:ext cx="1596348" cy="2568402"/>
+          </a:xfrm>
+          <a:prstGeom prst="rect">
+            <a:avLst/>
+          </a:prstGeom>
+          <a:noFill/>
+        </p:spPr>
+      </p:pic>
+      <p:pic>
+        <p:nvPicPr>
+          <p:cNvPr id="5" name="Picture 4" descr="C:\Users\William\Desktop\serveur.png"/>
+          <p:cNvPicPr>
+            <a:picLocks noChangeAspect="1" noChangeArrowheads="1"/>
+          </p:cNvPicPr>
+          <p:nvPr/>
+        </p:nvPicPr>
+        <p:blipFill>
+          <a:blip r:embed="rId3" cstate="print"/>
+          <a:srcRect/>
+          <a:stretch>
+            <a:fillRect/>
+          </a:stretch>
+        </p:blipFill>
+        <p:spPr bwMode="auto">
+          <a:xfrm>
+            <a:off x="7092280" y="332656"/>
+            <a:ext cx="707129" cy="1106637"/>
+          </a:xfrm>
+          <a:prstGeom prst="rect">
+            <a:avLst/>
+          </a:prstGeom>
+          <a:noFill/>
+        </p:spPr>
+      </p:pic>
+      <p:sp>
+        <p:nvSpPr>
+          <p:cNvPr id="6" name="ZoneTexte 5"/>
+          <p:cNvSpPr txBox="1"/>
+          <p:nvPr/>
+        </p:nvSpPr>
+        <p:spPr>
+          <a:xfrm>
+            <a:off x="3851920" y="3068960"/>
+            <a:ext cx="2880320" cy="369332"/>
+          </a:xfrm>
+          <a:prstGeom prst="rect">
+            <a:avLst/>
+          </a:prstGeom>
+          <a:noFill/>
+        </p:spPr>
+        <p:txBody>
+          <a:bodyPr wrap="square" rtlCol="0">
+            <a:spAutoFit/>
+          </a:bodyPr>
+          <a:lstStyle/>
+          <a:p>
+            <a:r>
+              <a:rPr lang="fr-FR" dirty="0" smtClean="0"/>
+              <a:t>Clé encryptée</a:t>
+            </a:r>
+            <a:endParaRPr lang="fr-FR" dirty="0"/>
+          </a:p>
+        </p:txBody>
+      </p:sp>
+      <p:sp>
+        <p:nvSpPr>
+          <p:cNvPr id="7" name="ZoneTexte 6"/>
+          <p:cNvSpPr txBox="1"/>
+          <p:nvPr/>
+        </p:nvSpPr>
+        <p:spPr>
+          <a:xfrm>
+            <a:off x="4211960" y="692696"/>
+            <a:ext cx="3275856" cy="369332"/>
+          </a:xfrm>
+          <a:prstGeom prst="rect">
+            <a:avLst/>
+          </a:prstGeom>
+          <a:noFill/>
+        </p:spPr>
+        <p:txBody>
+          <a:bodyPr wrap="square" rtlCol="0">
+            <a:spAutoFit/>
+          </a:bodyPr>
+          <a:lstStyle/>
+          <a:p>
+            <a:r>
+              <a:rPr lang="fr-FR" dirty="0" smtClean="0"/>
+              <a:t>Authentification Server (AS)</a:t>
+            </a:r>
+            <a:endParaRPr lang="fr-FR" dirty="0"/>
+          </a:p>
+        </p:txBody>
+      </p:sp>
+      <p:sp>
+        <p:nvSpPr>
+          <p:cNvPr id="9" name="ZoneTexte 8"/>
+          <p:cNvSpPr txBox="1"/>
+          <p:nvPr/>
+        </p:nvSpPr>
+        <p:spPr>
+          <a:xfrm>
+            <a:off x="4211960" y="1268760"/>
+            <a:ext cx="3275856" cy="369332"/>
+          </a:xfrm>
+          <a:prstGeom prst="rect">
+            <a:avLst/>
+          </a:prstGeom>
+          <a:noFill/>
+        </p:spPr>
+        <p:txBody>
+          <a:bodyPr wrap="square" rtlCol="0">
+            <a:spAutoFit/>
+          </a:bodyPr>
+          <a:lstStyle/>
+          <a:p>
+            <a:r>
+              <a:rPr lang="fr-FR" dirty="0" smtClean="0"/>
+              <a:t>Ticket-</a:t>
+            </a:r>
+            <a:r>
+              <a:rPr lang="fr-FR" dirty="0" err="1" smtClean="0"/>
+              <a:t>Granting</a:t>
+            </a:r>
+            <a:r>
+              <a:rPr lang="fr-FR" dirty="0" smtClean="0"/>
+              <a:t> Server (TGS)</a:t>
+            </a:r>
+            <a:endParaRPr lang="fr-FR" dirty="0"/>
+          </a:p>
+        </p:txBody>
+      </p:sp>
+      <p:pic>
+        <p:nvPicPr>
+          <p:cNvPr id="11" name="Picture 2" descr="C:\Users\William\Desktop\barretr_Key.png"/>
+          <p:cNvPicPr>
+            <a:picLocks noChangeAspect="1" noChangeArrowheads="1"/>
+          </p:cNvPicPr>
+          <p:nvPr/>
+        </p:nvPicPr>
+        <p:blipFill>
+          <a:blip r:embed="rId4" cstate="print"/>
+          <a:srcRect/>
+          <a:stretch>
+            <a:fillRect/>
+          </a:stretch>
+        </p:blipFill>
+        <p:spPr bwMode="auto">
+          <a:xfrm>
+            <a:off x="3347864" y="2996952"/>
+            <a:ext cx="373508" cy="376516"/>
+          </a:xfrm>
+          <a:prstGeom prst="rect">
+            <a:avLst/>
+          </a:prstGeom>
+          <a:noFill/>
+        </p:spPr>
+      </p:pic>
+      <p:pic>
+        <p:nvPicPr>
+          <p:cNvPr id="12" name="Picture 4" descr="C:\Users\William\Desktop\serveur.png"/>
+          <p:cNvPicPr>
+            <a:picLocks noChangeAspect="1" noChangeArrowheads="1"/>
+          </p:cNvPicPr>
+          <p:nvPr/>
+        </p:nvPicPr>
+        <p:blipFill>
+          <a:blip r:embed="rId3" cstate="print"/>
+          <a:srcRect/>
+          <a:stretch>
+            <a:fillRect/>
+          </a:stretch>
+        </p:blipFill>
+        <p:spPr bwMode="auto">
+          <a:xfrm>
+            <a:off x="7308304" y="764704"/>
+            <a:ext cx="707129" cy="1106637"/>
+          </a:xfrm>
+          <a:prstGeom prst="rect">
+            <a:avLst/>
+          </a:prstGeom>
+          <a:noFill/>
+        </p:spPr>
+      </p:pic>
+      <p:sp>
+        <p:nvSpPr>
+          <p:cNvPr id="13" name="Flèche droite 12"/>
+          <p:cNvSpPr/>
+          <p:nvPr/>
+        </p:nvSpPr>
+        <p:spPr>
+          <a:xfrm>
+            <a:off x="3275856" y="3284984"/>
+            <a:ext cx="2520280" cy="648072"/>
+          </a:xfrm>
+          <a:prstGeom prst="rightArrow">
+            <a:avLst/>
+          </a:prstGeom>
+        </p:spPr>
+        <p:style>
+          <a:lnRef idx="2">
+            <a:schemeClr val="accent1">
+              <a:shade val="50000"/>
+            </a:schemeClr>
+          </a:lnRef>
+          <a:fillRef idx="1">
+            <a:schemeClr val="accent1"/>
+          </a:fillRef>
+          <a:effectRef idx="0">
+            <a:schemeClr val="accent1"/>
+          </a:effectRef>
+          <a:fontRef idx="minor">
+            <a:schemeClr val="lt1"/>
+          </a:fontRef>
+        </p:style>
+        <p:txBody>
+          <a:bodyPr rtlCol="0" anchor="ctr"/>
+          <a:lstStyle/>
+          <a:p>
+            <a:pPr algn="ctr"/>
+            <a:endParaRPr lang="fr-FR"/>
+          </a:p>
+        </p:txBody>
+      </p:sp>
+      <p:sp>
+        <p:nvSpPr>
+          <p:cNvPr id="15" name="ZoneTexte 14"/>
+          <p:cNvSpPr txBox="1"/>
+          <p:nvPr/>
+        </p:nvSpPr>
+        <p:spPr>
+          <a:xfrm>
+            <a:off x="5868144" y="4221088"/>
+            <a:ext cx="3275856" cy="369332"/>
+          </a:xfrm>
+          <a:prstGeom prst="rect">
+            <a:avLst/>
+          </a:prstGeom>
+          <a:noFill/>
+        </p:spPr>
+        <p:txBody>
+          <a:bodyPr wrap="square" rtlCol="0">
+            <a:spAutoFit/>
+          </a:bodyPr>
+          <a:lstStyle/>
+          <a:p>
+            <a:r>
+              <a:rPr lang="fr-FR" dirty="0" smtClean="0"/>
+              <a:t>Service demandé</a:t>
+            </a:r>
+            <a:endParaRPr lang="fr-FR" dirty="0"/>
+          </a:p>
+        </p:txBody>
+      </p:sp>
+      <p:sp>
+        <p:nvSpPr>
+          <p:cNvPr id="16" name="Rectangle 15"/>
+          <p:cNvSpPr/>
+          <p:nvPr/>
+        </p:nvSpPr>
+        <p:spPr>
+          <a:xfrm>
+            <a:off x="4283968" y="332656"/>
+            <a:ext cx="3744416" cy="1584176"/>
+          </a:xfrm>
+          <a:prstGeom prst="rect">
+            <a:avLst/>
+          </a:prstGeom>
+          <a:noFill/>
+          <a:ln>
+            <a:solidFill>
+              <a:schemeClr val="accent6"/>
+            </a:solidFill>
+          </a:ln>
+        </p:spPr>
+        <p:style>
+          <a:lnRef idx="2">
+            <a:schemeClr val="accent6"/>
+          </a:lnRef>
+          <a:fillRef idx="1">
+            <a:schemeClr val="lt1"/>
+          </a:fillRef>
+          <a:effectRef idx="0">
+            <a:schemeClr val="accent6"/>
+          </a:effectRef>
+          <a:fontRef idx="minor">
+            <a:schemeClr val="dk1"/>
+          </a:fontRef>
+        </p:style>
+        <p:txBody>
+          <a:bodyPr rtlCol="0" anchor="ctr"/>
+          <a:lstStyle/>
+          <a:p>
+            <a:pPr algn="ctr"/>
+            <a:endParaRPr lang="fr-FR"/>
+          </a:p>
+        </p:txBody>
+      </p:sp>
+      <p:sp>
+        <p:nvSpPr>
+          <p:cNvPr id="17" name="ZoneTexte 16"/>
+          <p:cNvSpPr txBox="1"/>
+          <p:nvPr/>
+        </p:nvSpPr>
+        <p:spPr>
+          <a:xfrm>
+            <a:off x="4572000" y="0"/>
+            <a:ext cx="3262432" cy="369332"/>
+          </a:xfrm>
+          <a:prstGeom prst="rect">
+            <a:avLst/>
+          </a:prstGeom>
+          <a:noFill/>
+        </p:spPr>
+        <p:txBody>
+          <a:bodyPr wrap="none" rtlCol="0">
+            <a:spAutoFit/>
+          </a:bodyPr>
+          <a:lstStyle/>
+          <a:p>
+            <a:r>
+              <a:rPr lang="fr-FR" dirty="0" smtClean="0"/>
+              <a:t>Key Distribution Center (KDC)</a:t>
+            </a:r>
+            <a:endParaRPr lang="fr-FR" dirty="0"/>
+          </a:p>
+        </p:txBody>
+      </p:sp>
+      <p:pic>
+        <p:nvPicPr>
+          <p:cNvPr id="3074" name="Picture 2" descr="http://www.veryicon.com/icon/png/Hardware/Servers%20Icons/Web%20server.png"/>
+          <p:cNvPicPr>
+            <a:picLocks noChangeAspect="1" noChangeArrowheads="1"/>
+          </p:cNvPicPr>
+          <p:nvPr/>
+        </p:nvPicPr>
+        <p:blipFill>
+          <a:blip r:embed="rId5" cstate="print"/>
+          <a:srcRect/>
+          <a:stretch>
+            <a:fillRect/>
+          </a:stretch>
+        </p:blipFill>
+        <p:spPr bwMode="auto">
+          <a:xfrm>
+            <a:off x="6156176" y="2924944"/>
+            <a:ext cx="1219200" cy="1219201"/>
+          </a:xfrm>
+          <a:prstGeom prst="rect">
+            <a:avLst/>
+          </a:prstGeom>
+          <a:noFill/>
+        </p:spPr>
+      </p:pic>
+    </p:spTree>
+  </p:cSld>
+  <p:clrMapOvr>
+    <a:masterClrMapping/>
+  </p:clrMapOvr>
+</p:sld>
+</file>
+
+<file path=ppt/slides/slide11.xml><?xml version="1.0" encoding="utf-8"?>
+<p:sld xmlns:a="http://schemas.openxmlformats.org/drawingml/2006/main" xmlns:r="http://schemas.openxmlformats.org/officeDocument/2006/relationships" xmlns:p="http://schemas.openxmlformats.org/presentationml/2006/main">
+  <p:cSld>
+    <p:spTree>
+      <p:nvGrpSpPr>
+        <p:cNvPr id="1" name=""/>
+        <p:cNvGrpSpPr/>
+        <p:nvPr/>
+      </p:nvGrpSpPr>
+      <p:grpSpPr>
+        <a:xfrm>
+          <a:off x="0" y="0"/>
+          <a:ext cx="0" cy="0"/>
+          <a:chOff x="0" y="0"/>
+          <a:chExt cx="0" cy="0"/>
+        </a:xfrm>
+      </p:grpSpPr>
+      <p:sp>
+        <p:nvSpPr>
+          <p:cNvPr id="2" name="Titre 1"/>
+          <p:cNvSpPr>
+            <a:spLocks noGrp="1"/>
+          </p:cNvSpPr>
+          <p:nvPr>
+            <p:ph type="title"/>
+          </p:nvPr>
+        </p:nvSpPr>
+        <p:spPr/>
+        <p:txBody>
+          <a:bodyPr/>
+          <a:lstStyle/>
+          <a:p>
+            <a:r>
+              <a:rPr lang="fr-FR" dirty="0" err="1" smtClean="0"/>
+              <a:t>Kerberos</a:t>
+            </a:r>
+            <a:r>
+              <a:rPr lang="fr-FR" dirty="0" smtClean="0"/>
+              <a:t> : mobile</a:t>
+            </a:r>
+            <a:endParaRPr lang="fr-FR" dirty="0"/>
+          </a:p>
+        </p:txBody>
+      </p:sp>
+      <p:pic>
+        <p:nvPicPr>
+          <p:cNvPr id="2050" name="Picture 2" descr="http://www.openclipart.org/image/800px/svg_to_png/brucewestfall_treo_650_smartphone.png"/>
+          <p:cNvPicPr>
+            <a:picLocks noChangeAspect="1" noChangeArrowheads="1"/>
+          </p:cNvPicPr>
+          <p:nvPr/>
+        </p:nvPicPr>
+        <p:blipFill>
+          <a:blip r:embed="rId2" cstate="print"/>
+          <a:srcRect/>
+          <a:stretch>
+            <a:fillRect/>
+          </a:stretch>
+        </p:blipFill>
+        <p:spPr bwMode="auto">
+          <a:xfrm>
+            <a:off x="611560" y="2564904"/>
+            <a:ext cx="2010216" cy="2132856"/>
+          </a:xfrm>
+          <a:prstGeom prst="rect">
+            <a:avLst/>
+          </a:prstGeom>
+          <a:noFill/>
+        </p:spPr>
+      </p:pic>
+      <p:pic>
+        <p:nvPicPr>
+          <p:cNvPr id="2052" name="Picture 4" descr="http://www.kaustubhsheth.com/images/android.png"/>
+          <p:cNvPicPr>
+            <a:picLocks noChangeAspect="1" noChangeArrowheads="1"/>
+          </p:cNvPicPr>
+          <p:nvPr/>
+        </p:nvPicPr>
+        <p:blipFill>
+          <a:blip r:embed="rId3" cstate="print"/>
+          <a:srcRect/>
+          <a:stretch>
+            <a:fillRect/>
+          </a:stretch>
+        </p:blipFill>
+        <p:spPr bwMode="auto">
+          <a:xfrm>
+            <a:off x="1259632" y="2996952"/>
+            <a:ext cx="457200" cy="457200"/>
+          </a:xfrm>
+          <a:prstGeom prst="rect">
+            <a:avLst/>
+          </a:prstGeom>
+          <a:noFill/>
+        </p:spPr>
+      </p:pic>
+      <p:pic>
+        <p:nvPicPr>
+          <p:cNvPr id="6" name="Picture 4" descr="C:\Users\William\Desktop\serveur.png"/>
+          <p:cNvPicPr>
+            <a:picLocks noChangeAspect="1" noChangeArrowheads="1"/>
+          </p:cNvPicPr>
+          <p:nvPr/>
+        </p:nvPicPr>
+        <p:blipFill>
+          <a:blip r:embed="rId4" cstate="print"/>
+          <a:srcRect/>
+          <a:stretch>
+            <a:fillRect/>
+          </a:stretch>
+        </p:blipFill>
+        <p:spPr bwMode="auto">
+          <a:xfrm>
+            <a:off x="6444208" y="1268760"/>
+            <a:ext cx="937191" cy="1466677"/>
+          </a:xfrm>
+          <a:prstGeom prst="rect">
+            <a:avLst/>
+          </a:prstGeom>
+          <a:noFill/>
+        </p:spPr>
+      </p:pic>
+      <p:sp>
+        <p:nvSpPr>
+          <p:cNvPr id="10" name="Flèche droite 9"/>
+          <p:cNvSpPr/>
+          <p:nvPr/>
+        </p:nvSpPr>
+        <p:spPr>
+          <a:xfrm rot="900000">
+            <a:off x="3412230" y="3741021"/>
+            <a:ext cx="2520280" cy="829188"/>
+          </a:xfrm>
+          <a:prstGeom prst="rightArrow">
+            <a:avLst/>
+          </a:prstGeom>
+        </p:spPr>
+        <p:style>
+          <a:lnRef idx="2">
+            <a:schemeClr val="accent1">
+              <a:shade val="50000"/>
+            </a:schemeClr>
+          </a:lnRef>
+          <a:fillRef idx="1">
+            <a:schemeClr val="accent1"/>
+          </a:fillRef>
+          <a:effectRef idx="0">
+            <a:schemeClr val="accent1"/>
+          </a:effectRef>
+          <a:fontRef idx="minor">
+            <a:schemeClr val="lt1"/>
+          </a:fontRef>
+        </p:style>
+        <p:txBody>
+          <a:bodyPr rtlCol="0" anchor="ctr"/>
+          <a:lstStyle/>
+          <a:p>
+            <a:pPr algn="ctr"/>
+            <a:endParaRPr lang="fr-FR"/>
+          </a:p>
+        </p:txBody>
+      </p:sp>
+      <p:sp>
+        <p:nvSpPr>
+          <p:cNvPr id="11" name="ZoneTexte 10"/>
+          <p:cNvSpPr txBox="1"/>
+          <p:nvPr/>
+        </p:nvSpPr>
+        <p:spPr>
+          <a:xfrm>
+            <a:off x="7596336" y="1772816"/>
+            <a:ext cx="671979" cy="369332"/>
+          </a:xfrm>
+          <a:prstGeom prst="rect">
+            <a:avLst/>
+          </a:prstGeom>
+          <a:noFill/>
+        </p:spPr>
+        <p:txBody>
+          <a:bodyPr wrap="none" rtlCol="0">
+            <a:spAutoFit/>
+          </a:bodyPr>
+          <a:lstStyle/>
+          <a:p>
+            <a:r>
+              <a:rPr lang="fr-FR" dirty="0" smtClean="0"/>
+              <a:t>KDC</a:t>
+            </a:r>
+          </a:p>
+        </p:txBody>
+      </p:sp>
+      <p:sp>
+        <p:nvSpPr>
+          <p:cNvPr id="12" name="ZoneTexte 11"/>
+          <p:cNvSpPr txBox="1"/>
+          <p:nvPr/>
+        </p:nvSpPr>
+        <p:spPr>
+          <a:xfrm>
+            <a:off x="7596336" y="4509120"/>
+            <a:ext cx="954107" cy="369332"/>
+          </a:xfrm>
+          <a:prstGeom prst="rect">
+            <a:avLst/>
+          </a:prstGeom>
+          <a:noFill/>
+        </p:spPr>
+        <p:txBody>
+          <a:bodyPr wrap="none" rtlCol="0">
+            <a:spAutoFit/>
+          </a:bodyPr>
+          <a:lstStyle/>
+          <a:p>
+            <a:r>
+              <a:rPr lang="fr-FR" dirty="0" smtClean="0"/>
+              <a:t>Service</a:t>
+            </a:r>
+            <a:endParaRPr lang="fr-FR" dirty="0"/>
+          </a:p>
+        </p:txBody>
+      </p:sp>
+      <p:pic>
+        <p:nvPicPr>
+          <p:cNvPr id="2054" name="Picture 6" descr="http://www.veryicon.com/icon/png/Hardware/Servers%20Icons/Web%20server.png"/>
+          <p:cNvPicPr>
+            <a:picLocks noChangeAspect="1" noChangeArrowheads="1"/>
+          </p:cNvPicPr>
+          <p:nvPr/>
+        </p:nvPicPr>
+        <p:blipFill>
+          <a:blip r:embed="rId5" cstate="print"/>
+          <a:srcRect/>
+          <a:stretch>
+            <a:fillRect/>
+          </a:stretch>
+        </p:blipFill>
+        <p:spPr bwMode="auto">
+          <a:xfrm>
+            <a:off x="6300192" y="4149080"/>
+            <a:ext cx="1219200" cy="1219201"/>
+          </a:xfrm>
+          <a:prstGeom prst="rect">
+            <a:avLst/>
+          </a:prstGeom>
+          <a:noFill/>
+        </p:spPr>
+      </p:pic>
+      <p:sp>
+        <p:nvSpPr>
+          <p:cNvPr id="14" name="Flèche droite 13"/>
+          <p:cNvSpPr/>
+          <p:nvPr/>
+        </p:nvSpPr>
+        <p:spPr>
+          <a:xfrm rot="9900000">
+            <a:off x="2740721" y="2375955"/>
+            <a:ext cx="2520280" cy="648072"/>
+          </a:xfrm>
+          <a:prstGeom prst="rightArrow">
+            <a:avLst>
+              <a:gd name="adj1" fmla="val 35121"/>
+              <a:gd name="adj2" fmla="val 50000"/>
+            </a:avLst>
+          </a:prstGeom>
+        </p:spPr>
+        <p:style>
+          <a:lnRef idx="2">
+            <a:schemeClr val="accent1">
+              <a:shade val="50000"/>
+            </a:schemeClr>
+          </a:lnRef>
+          <a:fillRef idx="1">
+            <a:schemeClr val="accent1"/>
+          </a:fillRef>
+          <a:effectRef idx="0">
+            <a:schemeClr val="accent1"/>
+          </a:effectRef>
+          <a:fontRef idx="minor">
+            <a:schemeClr val="lt1"/>
+          </a:fontRef>
+        </p:style>
+        <p:txBody>
+          <a:bodyPr rtlCol="0" anchor="ctr"/>
+          <a:lstStyle/>
+          <a:p>
+            <a:pPr algn="ctr"/>
+            <a:endParaRPr lang="fr-FR"/>
+          </a:p>
+        </p:txBody>
+      </p:sp>
+      <p:sp>
+        <p:nvSpPr>
+          <p:cNvPr id="15" name="Flèche droite 14"/>
+          <p:cNvSpPr/>
+          <p:nvPr/>
+        </p:nvSpPr>
+        <p:spPr>
+          <a:xfrm rot="20700000">
+            <a:off x="3100760" y="1943907"/>
+            <a:ext cx="2520280" cy="648072"/>
+          </a:xfrm>
+          <a:prstGeom prst="rightArrow">
+            <a:avLst>
+              <a:gd name="adj1" fmla="val 35121"/>
+              <a:gd name="adj2" fmla="val 50000"/>
+            </a:avLst>
+          </a:prstGeom>
+        </p:spPr>
+        <p:style>
+          <a:lnRef idx="2">
+            <a:schemeClr val="accent1">
+              <a:shade val="50000"/>
+            </a:schemeClr>
+          </a:lnRef>
+          <a:fillRef idx="1">
+            <a:schemeClr val="accent1"/>
+          </a:fillRef>
+          <a:effectRef idx="0">
+            <a:schemeClr val="accent1"/>
+          </a:effectRef>
+          <a:fontRef idx="minor">
+            <a:schemeClr val="lt1"/>
+          </a:fontRef>
+        </p:style>
+        <p:txBody>
+          <a:bodyPr rtlCol="0" anchor="ctr"/>
+          <a:lstStyle/>
+          <a:p>
+            <a:pPr algn="ctr"/>
+            <a:endParaRPr lang="fr-FR"/>
+          </a:p>
+        </p:txBody>
+      </p:sp>
+      <p:sp>
+        <p:nvSpPr>
+          <p:cNvPr id="16" name="Flèche droite 15"/>
+          <p:cNvSpPr/>
+          <p:nvPr/>
+        </p:nvSpPr>
+        <p:spPr>
+          <a:xfrm rot="11700000">
+            <a:off x="2764159" y="4101062"/>
+            <a:ext cx="2520280" cy="829188"/>
+          </a:xfrm>
+          <a:prstGeom prst="rightArrow">
+            <a:avLst/>
+          </a:prstGeom>
+        </p:spPr>
+        <p:style>
+          <a:lnRef idx="2">
+            <a:schemeClr val="accent1">
+              <a:shade val="50000"/>
+            </a:schemeClr>
+          </a:lnRef>
+          <a:fillRef idx="1">
+            <a:schemeClr val="accent1"/>
+          </a:fillRef>
+          <a:effectRef idx="0">
+            <a:schemeClr val="accent1"/>
+          </a:effectRef>
+          <a:fontRef idx="minor">
+            <a:schemeClr val="lt1"/>
+          </a:fontRef>
+        </p:style>
+        <p:txBody>
+          <a:bodyPr rtlCol="0" anchor="ctr"/>
+          <a:lstStyle/>
+          <a:p>
+            <a:pPr algn="ctr"/>
+            <a:endParaRPr lang="fr-FR"/>
+          </a:p>
+        </p:txBody>
+      </p:sp>
+    </p:spTree>
+  </p:cSld>
+  <p:clrMapOvr>
+    <a:masterClrMapping/>
+  </p:clrMapOvr>
+</p:sld>
+</file>
+
 <file path=ppt/slides/slide2.xml><?xml version="1.0" encoding="utf-8"?>
 <p:sld xmlns:a="http://schemas.openxmlformats.org/drawingml/2006/main" xmlns:r="http://schemas.openxmlformats.org/officeDocument/2006/relationships" xmlns:p="http://schemas.openxmlformats.org/presentationml/2006/main">
   <p:cSld>
@@ -4154,47 +4960,77 @@
         </p:nvSpPr>
         <p:spPr/>
         <p:txBody>
-          <a:bodyPr/>
-          <a:lstStyle/>
-          <a:p>
-            <a:r>
-              <a:rPr lang="fr-FR" dirty="0" err="1" smtClean="0"/>
-              <a:t>Kerberos</a:t>
+          <a:bodyPr>
+            <a:normAutofit fontScale="90000"/>
+          </a:bodyPr>
+          <a:lstStyle/>
+          <a:p>
+            <a:r>
+              <a:rPr lang="fr-FR" dirty="0" smtClean="0"/>
+              <a:t>PKI : Première implémentation</a:t>
             </a:r>
             <a:endParaRPr lang="fr-FR" dirty="0"/>
           </a:p>
         </p:txBody>
       </p:sp>
-      <p:sp>
-        <p:nvSpPr>
-          <p:cNvPr id="3" name="Espace réservé du contenu 2"/>
-          <p:cNvSpPr>
-            <a:spLocks noGrp="1"/>
-          </p:cNvSpPr>
-          <p:nvPr>
-            <p:ph idx="1"/>
-          </p:nvPr>
-        </p:nvSpPr>
-        <p:spPr/>
-        <p:txBody>
-          <a:bodyPr/>
+      <p:pic>
+        <p:nvPicPr>
+          <p:cNvPr id="1026" name="Picture 2"/>
+          <p:cNvPicPr>
+            <a:picLocks noChangeAspect="1" noChangeArrowheads="1"/>
+          </p:cNvPicPr>
+          <p:nvPr/>
+        </p:nvPicPr>
+        <p:blipFill>
+          <a:blip r:embed="rId2" cstate="print"/>
+          <a:srcRect/>
+          <a:stretch>
+            <a:fillRect/>
+          </a:stretch>
+        </p:blipFill>
+        <p:spPr bwMode="auto">
+          <a:xfrm>
+            <a:off x="3131840" y="1628800"/>
+            <a:ext cx="3138428" cy="4697834"/>
+          </a:xfrm>
+          <a:prstGeom prst="rect">
+            <a:avLst/>
+          </a:prstGeom>
+          <a:noFill/>
+          <a:ln w="9525">
+            <a:noFill/>
+            <a:miter lim="800000"/>
+            <a:headEnd/>
+            <a:tailEnd/>
+          </a:ln>
+        </p:spPr>
+      </p:pic>
+      <p:sp>
+        <p:nvSpPr>
+          <p:cNvPr id="5" name="ZoneTexte 4"/>
+          <p:cNvSpPr txBox="1"/>
+          <p:nvPr/>
+        </p:nvSpPr>
+        <p:spPr>
+          <a:xfrm>
+            <a:off x="683568" y="1844824"/>
+            <a:ext cx="2808312" cy="369332"/>
+          </a:xfrm>
+          <a:prstGeom prst="rect">
+            <a:avLst/>
+          </a:prstGeom>
+          <a:noFill/>
+        </p:spPr>
+        <p:txBody>
+          <a:bodyPr wrap="square" rtlCol="0">
+            <a:spAutoFit/>
+          </a:bodyPr>
           <a:lstStyle/>
           <a:p>
             <a:r>
               <a:rPr lang="fr-FR" dirty="0" smtClean="0"/>
-              <a:t>Système d’authentification</a:t>
-            </a:r>
-          </a:p>
-          <a:p>
-            <a:r>
-              <a:rPr lang="fr-FR" dirty="0" smtClean="0"/>
-              <a:t>Basé sur un système Serveur/Client</a:t>
-            </a:r>
-          </a:p>
-          <a:p>
-            <a:pPr>
-              <a:buNone/>
-            </a:pPr>
+              <a:t>Signature d’un texte:</a:t>
+            </a:r>
             <a:endParaRPr lang="fr-FR" dirty="0"/>
           </a:p>
         </p:txBody>
@@ -4247,154 +5083,42 @@
           </a:p>
         </p:txBody>
       </p:sp>
-      <p:pic>
-        <p:nvPicPr>
-          <p:cNvPr id="1027" name="Picture 3" descr="C:\Users\William\Desktop\client.png"/>
-          <p:cNvPicPr>
-            <a:picLocks noChangeAspect="1" noChangeArrowheads="1"/>
-          </p:cNvPicPr>
-          <p:nvPr/>
-        </p:nvPicPr>
-        <p:blipFill>
-          <a:blip r:embed="rId2" cstate="print"/>
-          <a:srcRect/>
-          <a:stretch>
-            <a:fillRect/>
-          </a:stretch>
-        </p:blipFill>
-        <p:spPr bwMode="auto">
-          <a:xfrm>
-            <a:off x="1187624" y="2204864"/>
-            <a:ext cx="1596348" cy="2568402"/>
-          </a:xfrm>
-          <a:prstGeom prst="rect">
-            <a:avLst/>
-          </a:prstGeom>
-          <a:noFill/>
-        </p:spPr>
-      </p:pic>
-      <p:pic>
-        <p:nvPicPr>
-          <p:cNvPr id="1028" name="Picture 4" descr="C:\Users\William\Desktop\serveur.png"/>
-          <p:cNvPicPr>
-            <a:picLocks noChangeAspect="1" noChangeArrowheads="1"/>
-          </p:cNvPicPr>
-          <p:nvPr/>
-        </p:nvPicPr>
-        <p:blipFill>
-          <a:blip r:embed="rId3" cstate="print"/>
-          <a:srcRect/>
-          <a:stretch>
-            <a:fillRect/>
-          </a:stretch>
-        </p:blipFill>
-        <p:spPr bwMode="auto">
-          <a:xfrm>
-            <a:off x="6444208" y="2420888"/>
-            <a:ext cx="1305290" cy="2042741"/>
-          </a:xfrm>
-          <a:prstGeom prst="rect">
-            <a:avLst/>
-          </a:prstGeom>
-          <a:noFill/>
-        </p:spPr>
-      </p:pic>
-      <p:sp>
-        <p:nvSpPr>
-          <p:cNvPr id="8" name="Flèche droite 7"/>
-          <p:cNvSpPr/>
-          <p:nvPr/>
-        </p:nvSpPr>
-        <p:spPr>
-          <a:xfrm>
-            <a:off x="3275856" y="3284984"/>
-            <a:ext cx="2520280" cy="648072"/>
-          </a:xfrm>
-          <a:prstGeom prst="rightArrow">
-            <a:avLst/>
-          </a:prstGeom>
-        </p:spPr>
-        <p:style>
-          <a:lnRef idx="2">
-            <a:schemeClr val="accent1">
-              <a:shade val="50000"/>
-            </a:schemeClr>
-          </a:lnRef>
-          <a:fillRef idx="1">
-            <a:schemeClr val="accent1"/>
-          </a:fillRef>
-          <a:effectRef idx="0">
-            <a:schemeClr val="accent1"/>
-          </a:effectRef>
-          <a:fontRef idx="minor">
-            <a:schemeClr val="lt1"/>
-          </a:fontRef>
-        </p:style>
-        <p:txBody>
-          <a:bodyPr rtlCol="0" anchor="ctr"/>
-          <a:lstStyle/>
-          <a:p>
-            <a:pPr algn="ctr"/>
-            <a:endParaRPr lang="fr-FR"/>
-          </a:p>
-        </p:txBody>
-      </p:sp>
-      <p:sp>
-        <p:nvSpPr>
-          <p:cNvPr id="9" name="ZoneTexte 8"/>
-          <p:cNvSpPr txBox="1"/>
-          <p:nvPr/>
-        </p:nvSpPr>
-        <p:spPr>
-          <a:xfrm>
-            <a:off x="3203848" y="3068960"/>
-            <a:ext cx="2880320" cy="369332"/>
-          </a:xfrm>
-          <a:prstGeom prst="rect">
-            <a:avLst/>
-          </a:prstGeom>
-          <a:noFill/>
-        </p:spPr>
-        <p:txBody>
-          <a:bodyPr wrap="square" rtlCol="0">
-            <a:spAutoFit/>
-          </a:bodyPr>
-          <a:lstStyle/>
+      <p:sp>
+        <p:nvSpPr>
+          <p:cNvPr id="3" name="Espace réservé du contenu 2"/>
+          <p:cNvSpPr>
+            <a:spLocks noGrp="1"/>
+          </p:cNvSpPr>
+          <p:nvPr>
+            <p:ph idx="1"/>
+          </p:nvPr>
+        </p:nvSpPr>
+        <p:spPr/>
+        <p:txBody>
+          <a:bodyPr/>
+          <a:lstStyle/>
+          <a:p>
+            <a:endParaRPr lang="fr-FR" dirty="0" smtClean="0"/>
+          </a:p>
           <a:p>
             <a:r>
               <a:rPr lang="fr-FR" dirty="0" smtClean="0"/>
-              <a:t>Identifiant Utilisateur</a:t>
-            </a:r>
-            <a:endParaRPr lang="fr-FR" dirty="0"/>
-          </a:p>
-        </p:txBody>
-      </p:sp>
-      <p:sp>
-        <p:nvSpPr>
-          <p:cNvPr id="10" name="ZoneTexte 9"/>
-          <p:cNvSpPr txBox="1"/>
-          <p:nvPr/>
-        </p:nvSpPr>
-        <p:spPr>
-          <a:xfrm>
-            <a:off x="5652120" y="4509120"/>
-            <a:ext cx="3275856" cy="369332"/>
-          </a:xfrm>
-          <a:prstGeom prst="rect">
-            <a:avLst/>
-          </a:prstGeom>
-          <a:noFill/>
-        </p:spPr>
-        <p:txBody>
-          <a:bodyPr wrap="square" rtlCol="0">
-            <a:spAutoFit/>
-          </a:bodyPr>
-          <a:lstStyle/>
+              <a:t>Système d’authentification</a:t>
+            </a:r>
+          </a:p>
+          <a:p>
+            <a:endParaRPr lang="fr-FR" dirty="0" smtClean="0"/>
+          </a:p>
           <a:p>
             <a:r>
               <a:rPr lang="fr-FR" dirty="0" smtClean="0"/>
-              <a:t>Authentification Server (AS)</a:t>
-            </a:r>
+              <a:t>Basé sur un système Serveur/Client</a:t>
+            </a:r>
+          </a:p>
+          <a:p>
+            <a:pPr>
+              <a:buNone/>
+            </a:pPr>
             <a:endParaRPr lang="fr-FR" dirty="0"/>
           </a:p>
         </p:txBody>
@@ -4443,13 +5167,17 @@
               <a:rPr lang="fr-FR" dirty="0" err="1" smtClean="0"/>
               <a:t>Kerberos</a:t>
             </a:r>
+            <a:r>
+              <a:rPr lang="fr-FR" dirty="0" smtClean="0"/>
+              <a:t> : exemple</a:t>
+            </a:r>
             <a:endParaRPr lang="fr-FR" dirty="0"/>
           </a:p>
         </p:txBody>
       </p:sp>
       <p:pic>
         <p:nvPicPr>
-          <p:cNvPr id="6" name="Picture 3" descr="C:\Users\William\Desktop\client.png"/>
+          <p:cNvPr id="1027" name="Picture 3" descr="C:\Users\William\Desktop\client.png"/>
           <p:cNvPicPr>
             <a:picLocks noChangeAspect="1" noChangeArrowheads="1"/>
           </p:cNvPicPr>
@@ -4473,32 +5201,6 @@
           <a:noFill/>
         </p:spPr>
       </p:pic>
-      <p:pic>
-        <p:nvPicPr>
-          <p:cNvPr id="7" name="Picture 4" descr="C:\Users\William\Desktop\serveur.png"/>
-          <p:cNvPicPr>
-            <a:picLocks noChangeAspect="1" noChangeArrowheads="1"/>
-          </p:cNvPicPr>
-          <p:nvPr/>
-        </p:nvPicPr>
-        <p:blipFill>
-          <a:blip r:embed="rId3" cstate="print"/>
-          <a:srcRect/>
-          <a:stretch>
-            <a:fillRect/>
-          </a:stretch>
-        </p:blipFill>
-        <p:spPr bwMode="auto">
-          <a:xfrm>
-            <a:off x="6444208" y="2420888"/>
-            <a:ext cx="1305290" cy="2042741"/>
-          </a:xfrm>
-          <a:prstGeom prst="rect">
-            <a:avLst/>
-          </a:prstGeom>
-          <a:noFill/>
-        </p:spPr>
-      </p:pic>
       <p:sp>
         <p:nvSpPr>
           <p:cNvPr id="8" name="Flèche droite 7"/>
@@ -4506,15 +5208,12 @@
           <p:nvPr/>
         </p:nvSpPr>
         <p:spPr>
-          <a:xfrm flipH="1">
-            <a:off x="3203848" y="3284984"/>
+          <a:xfrm>
+            <a:off x="3275856" y="3284984"/>
             <a:ext cx="2520280" cy="648072"/>
           </a:xfrm>
           <a:prstGeom prst="rightArrow">
-            <a:avLst>
-              <a:gd name="adj1" fmla="val 51899"/>
-              <a:gd name="adj2" fmla="val 50000"/>
-            </a:avLst>
+            <a:avLst/>
           </a:prstGeom>
         </p:spPr>
         <p:style>
@@ -4544,14 +5243,14 @@
       </p:sp>
       <p:sp>
         <p:nvSpPr>
-          <p:cNvPr id="10" name="ZoneTexte 9"/>
+          <p:cNvPr id="9" name="ZoneTexte 8"/>
           <p:cNvSpPr txBox="1"/>
           <p:nvPr/>
         </p:nvSpPr>
         <p:spPr>
           <a:xfrm>
-            <a:off x="5652120" y="4509120"/>
-            <a:ext cx="3275856" cy="369332"/>
+            <a:off x="3347864" y="2996952"/>
+            <a:ext cx="2880320" cy="369332"/>
           </a:xfrm>
           <a:prstGeom prst="rect">
             <a:avLst/>
@@ -4566,7 +5265,37 @@
           <a:p>
             <a:r>
               <a:rPr lang="fr-FR" dirty="0" smtClean="0"/>
-              <a:t>Authentification Server (AS)</a:t>
+              <a:t>Veut accéder à</a:t>
+            </a:r>
+            <a:endParaRPr lang="fr-FR" dirty="0"/>
+          </a:p>
+        </p:txBody>
+      </p:sp>
+      <p:sp>
+        <p:nvSpPr>
+          <p:cNvPr id="10" name="ZoneTexte 9"/>
+          <p:cNvSpPr txBox="1"/>
+          <p:nvPr/>
+        </p:nvSpPr>
+        <p:spPr>
+          <a:xfrm>
+            <a:off x="6516216" y="4221088"/>
+            <a:ext cx="1296144" cy="369332"/>
+          </a:xfrm>
+          <a:prstGeom prst="rect">
+            <a:avLst/>
+          </a:prstGeom>
+          <a:noFill/>
+        </p:spPr>
+        <p:txBody>
+          <a:bodyPr wrap="square" rtlCol="0">
+            <a:spAutoFit/>
+          </a:bodyPr>
+          <a:lstStyle/>
+          <a:p>
+            <a:r>
+              <a:rPr lang="fr-FR" dirty="0" smtClean="0"/>
+              <a:t>Un service</a:t>
             </a:r>
             <a:endParaRPr lang="fr-FR" dirty="0"/>
           </a:p>
@@ -4574,14 +5303,14 @@
       </p:sp>
       <p:pic>
         <p:nvPicPr>
-          <p:cNvPr id="2052" name="Picture 4" descr="C:\Users\William\Desktop\enveloppe.png"/>
+          <p:cNvPr id="7170" name="Picture 2" descr="http://www.veryicon.com/icon/png/Hardware/Servers%20Icons/Web%20server.png"/>
           <p:cNvPicPr>
             <a:picLocks noChangeAspect="1" noChangeArrowheads="1"/>
           </p:cNvPicPr>
           <p:nvPr/>
         </p:nvPicPr>
         <p:blipFill>
-          <a:blip r:embed="rId4" cstate="print"/>
+          <a:blip r:embed="rId3" cstate="print"/>
           <a:srcRect/>
           <a:stretch>
             <a:fillRect/>
@@ -4589,8 +5318,8 @@
         </p:blipFill>
         <p:spPr bwMode="auto">
           <a:xfrm>
-            <a:off x="4499992" y="3789040"/>
-            <a:ext cx="518294" cy="518294"/>
+            <a:off x="6372200" y="2852936"/>
+            <a:ext cx="1219200" cy="1219201"/>
           </a:xfrm>
           <a:prstGeom prst="rect">
             <a:avLst/>
@@ -4598,44 +5327,6 @@
           <a:noFill/>
         </p:spPr>
       </p:pic>
-      <p:sp>
-        <p:nvSpPr>
-          <p:cNvPr id="12" name="ZoneTexte 11"/>
-          <p:cNvSpPr txBox="1"/>
-          <p:nvPr/>
-        </p:nvSpPr>
-        <p:spPr>
-          <a:xfrm>
-            <a:off x="3059832" y="2924944"/>
-            <a:ext cx="3168352" cy="369332"/>
-          </a:xfrm>
-          <a:prstGeom prst="rect">
-            <a:avLst/>
-          </a:prstGeom>
-          <a:noFill/>
-        </p:spPr>
-        <p:txBody>
-          <a:bodyPr wrap="square" rtlCol="0">
-            <a:spAutoFit/>
-          </a:bodyPr>
-          <a:lstStyle/>
-          <a:p>
-            <a:r>
-              <a:rPr lang="fr-FR" dirty="0" smtClean="0"/>
-              <a:t>Ticket-</a:t>
-            </a:r>
-            <a:r>
-              <a:rPr lang="fr-FR" dirty="0" err="1" smtClean="0"/>
-              <a:t>Granting</a:t>
-            </a:r>
-            <a:r>
-              <a:rPr lang="fr-FR" dirty="0" smtClean="0"/>
-              <a:t> Ticket (TGT)</a:t>
-            </a:r>
-            <a:endParaRPr lang="fr-FR" dirty="0"/>
-          </a:p>
-        </p:txBody>
-      </p:sp>
     </p:spTree>
   </p:cSld>
   <p:clrMapOvr>
@@ -4680,13 +5371,17 @@
               <a:rPr lang="fr-FR" dirty="0" err="1" smtClean="0"/>
               <a:t>Kerberos</a:t>
             </a:r>
+            <a:r>
+              <a:rPr lang="fr-FR" dirty="0" smtClean="0"/>
+              <a:t> : exemple</a:t>
+            </a:r>
             <a:endParaRPr lang="fr-FR" dirty="0"/>
           </a:p>
         </p:txBody>
       </p:sp>
       <p:pic>
         <p:nvPicPr>
-          <p:cNvPr id="4" name="Picture 3" descr="C:\Users\William\Desktop\client.png"/>
+          <p:cNvPr id="1027" name="Picture 3" descr="C:\Users\William\Desktop\client.png"/>
           <p:cNvPicPr>
             <a:picLocks noChangeAspect="1" noChangeArrowheads="1"/>
           </p:cNvPicPr>
@@ -4712,7 +5407,7 @@
       </p:pic>
       <p:pic>
         <p:nvPicPr>
-          <p:cNvPr id="5" name="Picture 4" descr="C:\Users\William\Desktop\serveur.png"/>
+          <p:cNvPr id="1028" name="Picture 4" descr="C:\Users\William\Desktop\serveur.png"/>
           <p:cNvPicPr>
             <a:picLocks noChangeAspect="1" noChangeArrowheads="1"/>
           </p:cNvPicPr>
@@ -4727,8 +5422,8 @@
         </p:blipFill>
         <p:spPr bwMode="auto">
           <a:xfrm>
-            <a:off x="7092280" y="332656"/>
-            <a:ext cx="707129" cy="1106637"/>
+            <a:off x="6444208" y="2420888"/>
+            <a:ext cx="1305290" cy="2042741"/>
           </a:xfrm>
           <a:prstGeom prst="rect">
             <a:avLst/>
@@ -4738,7 +5433,7 @@
       </p:pic>
       <p:sp>
         <p:nvSpPr>
-          <p:cNvPr id="6" name="Flèche droite 5"/>
+          <p:cNvPr id="8" name="Flèche droite 7"/>
           <p:cNvSpPr/>
           <p:nvPr/>
         </p:nvSpPr>
@@ -4778,13 +5473,13 @@
       </p:sp>
       <p:sp>
         <p:nvSpPr>
-          <p:cNvPr id="7" name="ZoneTexte 6"/>
+          <p:cNvPr id="9" name="ZoneTexte 8"/>
           <p:cNvSpPr txBox="1"/>
           <p:nvPr/>
         </p:nvSpPr>
         <p:spPr>
           <a:xfrm>
-            <a:off x="3851920" y="3068960"/>
+            <a:off x="3203848" y="3068960"/>
             <a:ext cx="2880320" cy="369332"/>
           </a:xfrm>
           <a:prstGeom prst="rect">
@@ -4800,7 +5495,7 @@
           <a:p>
             <a:r>
               <a:rPr lang="fr-FR" dirty="0" smtClean="0"/>
-              <a:t>TGT</a:t>
+              <a:t>Identifiant Utilisateur</a:t>
             </a:r>
             <a:endParaRPr lang="fr-FR" dirty="0"/>
           </a:p>
@@ -4808,13 +5503,13 @@
       </p:sp>
       <p:sp>
         <p:nvSpPr>
-          <p:cNvPr id="8" name="ZoneTexte 7"/>
+          <p:cNvPr id="10" name="ZoneTexte 9"/>
           <p:cNvSpPr txBox="1"/>
           <p:nvPr/>
         </p:nvSpPr>
         <p:spPr>
           <a:xfrm>
-            <a:off x="4211960" y="692696"/>
+            <a:off x="5652120" y="4509120"/>
             <a:ext cx="3275856" cy="369332"/>
           </a:xfrm>
           <a:prstGeom prst="rect">
@@ -4836,96 +5531,6 @@
           </a:p>
         </p:txBody>
       </p:sp>
-      <p:pic>
-        <p:nvPicPr>
-          <p:cNvPr id="9" name="Picture 4" descr="C:\Users\William\Desktop\serveur.png"/>
-          <p:cNvPicPr>
-            <a:picLocks noChangeAspect="1" noChangeArrowheads="1"/>
-          </p:cNvPicPr>
-          <p:nvPr/>
-        </p:nvPicPr>
-        <p:blipFill>
-          <a:blip r:embed="rId4" cstate="print"/>
-          <a:srcRect/>
-          <a:stretch>
-            <a:fillRect/>
-          </a:stretch>
-        </p:blipFill>
-        <p:spPr bwMode="auto">
-          <a:xfrm>
-            <a:off x="6228184" y="2492896"/>
-            <a:ext cx="1305290" cy="2042741"/>
-          </a:xfrm>
-          <a:prstGeom prst="rect">
-            <a:avLst/>
-          </a:prstGeom>
-          <a:noFill/>
-        </p:spPr>
-      </p:pic>
-      <p:sp>
-        <p:nvSpPr>
-          <p:cNvPr id="11" name="ZoneTexte 10"/>
-          <p:cNvSpPr txBox="1"/>
-          <p:nvPr/>
-        </p:nvSpPr>
-        <p:spPr>
-          <a:xfrm>
-            <a:off x="5436096" y="4653136"/>
-            <a:ext cx="3275856" cy="369332"/>
-          </a:xfrm>
-          <a:prstGeom prst="rect">
-            <a:avLst/>
-          </a:prstGeom>
-          <a:noFill/>
-        </p:spPr>
-        <p:txBody>
-          <a:bodyPr wrap="square" rtlCol="0">
-            <a:spAutoFit/>
-          </a:bodyPr>
-          <a:lstStyle/>
-          <a:p>
-            <a:r>
-              <a:rPr lang="fr-FR" dirty="0" smtClean="0"/>
-              <a:t>Ticket-</a:t>
-            </a:r>
-            <a:r>
-              <a:rPr lang="fr-FR" dirty="0" err="1" smtClean="0"/>
-              <a:t>Granting</a:t>
-            </a:r>
-            <a:r>
-              <a:rPr lang="fr-FR" dirty="0" smtClean="0"/>
-              <a:t> Server (TGS)</a:t>
-            </a:r>
-            <a:endParaRPr lang="fr-FR" dirty="0"/>
-          </a:p>
-        </p:txBody>
-      </p:sp>
-      <p:pic>
-        <p:nvPicPr>
-          <p:cNvPr id="3074" name="Picture 2" descr="C:\Users\William\Desktop\enveloppe.png"/>
-          <p:cNvPicPr>
-            <a:picLocks noChangeAspect="1" noChangeArrowheads="1"/>
-          </p:cNvPicPr>
-          <p:nvPr/>
-        </p:nvPicPr>
-        <p:blipFill>
-          <a:blip r:embed="rId5" cstate="print"/>
-          <a:srcRect/>
-          <a:stretch>
-            <a:fillRect/>
-          </a:stretch>
-        </p:blipFill>
-        <p:spPr bwMode="auto">
-          <a:xfrm>
-            <a:off x="3419872" y="2996952"/>
-            <a:ext cx="429196" cy="429196"/>
-          </a:xfrm>
-          <a:prstGeom prst="rect">
-            <a:avLst/>
-          </a:prstGeom>
-          <a:noFill/>
-        </p:spPr>
-      </p:pic>
     </p:spTree>
   </p:cSld>
   <p:clrMapOvr>
@@ -4953,7 +5558,7 @@
       </p:grpSpPr>
       <p:sp>
         <p:nvSpPr>
-          <p:cNvPr id="13" name="Titre 1"/>
+          <p:cNvPr id="2" name="Titre 1"/>
           <p:cNvSpPr>
             <a:spLocks noGrp="1"/>
           </p:cNvSpPr>
@@ -4961,12 +5566,7 @@
             <p:ph type="title"/>
           </p:nvPr>
         </p:nvSpPr>
-        <p:spPr>
-          <a:xfrm>
-            <a:off x="457200" y="274638"/>
-            <a:ext cx="7467600" cy="1143000"/>
-          </a:xfrm>
-        </p:spPr>
+        <p:spPr/>
         <p:txBody>
           <a:bodyPr/>
           <a:lstStyle/>
@@ -4981,7 +5581,7 @@
       </p:sp>
       <p:pic>
         <p:nvPicPr>
-          <p:cNvPr id="14" name="Picture 3" descr="C:\Users\William\Desktop\client.png"/>
+          <p:cNvPr id="6" name="Picture 3" descr="C:\Users\William\Desktop\client.png"/>
           <p:cNvPicPr>
             <a:picLocks noChangeAspect="1" noChangeArrowheads="1"/>
           </p:cNvPicPr>
@@ -5007,7 +5607,7 @@
       </p:pic>
       <p:pic>
         <p:nvPicPr>
-          <p:cNvPr id="15" name="Picture 4" descr="C:\Users\William\Desktop\serveur.png"/>
+          <p:cNvPr id="7" name="Picture 4" descr="C:\Users\William\Desktop\serveur.png"/>
           <p:cNvPicPr>
             <a:picLocks noChangeAspect="1" noChangeArrowheads="1"/>
           </p:cNvPicPr>
@@ -5022,8 +5622,8 @@
         </p:blipFill>
         <p:spPr bwMode="auto">
           <a:xfrm>
-            <a:off x="7092280" y="332656"/>
-            <a:ext cx="707129" cy="1106637"/>
+            <a:off x="6444208" y="2420888"/>
+            <a:ext cx="1305290" cy="2042741"/>
           </a:xfrm>
           <a:prstGeom prst="rect">
             <a:avLst/>
@@ -5033,131 +5633,7 @@
       </p:pic>
       <p:sp>
         <p:nvSpPr>
-          <p:cNvPr id="17" name="ZoneTexte 16"/>
-          <p:cNvSpPr txBox="1"/>
-          <p:nvPr/>
-        </p:nvSpPr>
-        <p:spPr>
-          <a:xfrm>
-            <a:off x="4139952" y="3068960"/>
-            <a:ext cx="2880320" cy="369332"/>
-          </a:xfrm>
-          <a:prstGeom prst="rect">
-            <a:avLst/>
-          </a:prstGeom>
-          <a:noFill/>
-        </p:spPr>
-        <p:txBody>
-          <a:bodyPr wrap="square" rtlCol="0">
-            <a:spAutoFit/>
-          </a:bodyPr>
-          <a:lstStyle/>
-          <a:p>
-            <a:r>
-              <a:rPr lang="fr-FR" dirty="0" smtClean="0"/>
-              <a:t>Clé encryptée</a:t>
-            </a:r>
-            <a:endParaRPr lang="fr-FR" dirty="0"/>
-          </a:p>
-        </p:txBody>
-      </p:sp>
-      <p:sp>
-        <p:nvSpPr>
-          <p:cNvPr id="18" name="ZoneTexte 17"/>
-          <p:cNvSpPr txBox="1"/>
-          <p:nvPr/>
-        </p:nvSpPr>
-        <p:spPr>
-          <a:xfrm>
-            <a:off x="4211960" y="692696"/>
-            <a:ext cx="3275856" cy="369332"/>
-          </a:xfrm>
-          <a:prstGeom prst="rect">
-            <a:avLst/>
-          </a:prstGeom>
-          <a:noFill/>
-        </p:spPr>
-        <p:txBody>
-          <a:bodyPr wrap="square" rtlCol="0">
-            <a:spAutoFit/>
-          </a:bodyPr>
-          <a:lstStyle/>
-          <a:p>
-            <a:r>
-              <a:rPr lang="fr-FR" dirty="0" smtClean="0"/>
-              <a:t>Authentification Server (AS)</a:t>
-            </a:r>
-            <a:endParaRPr lang="fr-FR" dirty="0"/>
-          </a:p>
-        </p:txBody>
-      </p:sp>
-      <p:pic>
-        <p:nvPicPr>
-          <p:cNvPr id="19" name="Picture 4" descr="C:\Users\William\Desktop\serveur.png"/>
-          <p:cNvPicPr>
-            <a:picLocks noChangeAspect="1" noChangeArrowheads="1"/>
-          </p:cNvPicPr>
-          <p:nvPr/>
-        </p:nvPicPr>
-        <p:blipFill>
-          <a:blip r:embed="rId4" cstate="print"/>
-          <a:srcRect/>
-          <a:stretch>
-            <a:fillRect/>
-          </a:stretch>
-        </p:blipFill>
-        <p:spPr bwMode="auto">
-          <a:xfrm>
-            <a:off x="6228184" y="2492896"/>
-            <a:ext cx="1305290" cy="2042741"/>
-          </a:xfrm>
-          <a:prstGeom prst="rect">
-            <a:avLst/>
-          </a:prstGeom>
-          <a:noFill/>
-        </p:spPr>
-      </p:pic>
-      <p:sp>
-        <p:nvSpPr>
-          <p:cNvPr id="20" name="ZoneTexte 19"/>
-          <p:cNvSpPr txBox="1"/>
-          <p:nvPr/>
-        </p:nvSpPr>
-        <p:spPr>
-          <a:xfrm>
-            <a:off x="5436096" y="4653136"/>
-            <a:ext cx="3275856" cy="369332"/>
-          </a:xfrm>
-          <a:prstGeom prst="rect">
-            <a:avLst/>
-          </a:prstGeom>
-          <a:noFill/>
-        </p:spPr>
-        <p:txBody>
-          <a:bodyPr wrap="square" rtlCol="0">
-            <a:spAutoFit/>
-          </a:bodyPr>
-          <a:lstStyle/>
-          <a:p>
-            <a:r>
-              <a:rPr lang="fr-FR" dirty="0" smtClean="0"/>
-              <a:t>Ticket-</a:t>
-            </a:r>
-            <a:r>
-              <a:rPr lang="fr-FR" dirty="0" err="1" smtClean="0"/>
-              <a:t>Granting</a:t>
-            </a:r>
-            <a:r>
-              <a:rPr lang="fr-FR" dirty="0" smtClean="0"/>
-              <a:t> Server (TGS)</a:t>
-            </a:r>
-            <a:endParaRPr lang="fr-FR" dirty="0"/>
-          </a:p>
-        </p:txBody>
-      </p:sp>
-      <p:sp>
-        <p:nvSpPr>
-          <p:cNvPr id="22" name="Flèche droite 21"/>
+          <p:cNvPr id="8" name="Flèche droite 7"/>
           <p:cNvSpPr/>
           <p:nvPr/>
         </p:nvSpPr>
@@ -5198,16 +5674,46 @@
           </a:p>
         </p:txBody>
       </p:sp>
+      <p:sp>
+        <p:nvSpPr>
+          <p:cNvPr id="10" name="ZoneTexte 9"/>
+          <p:cNvSpPr txBox="1"/>
+          <p:nvPr/>
+        </p:nvSpPr>
+        <p:spPr>
+          <a:xfrm>
+            <a:off x="5652120" y="4509120"/>
+            <a:ext cx="3275856" cy="369332"/>
+          </a:xfrm>
+          <a:prstGeom prst="rect">
+            <a:avLst/>
+          </a:prstGeom>
+          <a:noFill/>
+        </p:spPr>
+        <p:txBody>
+          <a:bodyPr wrap="square" rtlCol="0">
+            <a:spAutoFit/>
+          </a:bodyPr>
+          <a:lstStyle/>
+          <a:p>
+            <a:r>
+              <a:rPr lang="fr-FR" dirty="0" smtClean="0"/>
+              <a:t>Authentification Server (AS)</a:t>
+            </a:r>
+            <a:endParaRPr lang="fr-FR" dirty="0"/>
+          </a:p>
+        </p:txBody>
+      </p:sp>
       <p:pic>
         <p:nvPicPr>
-          <p:cNvPr id="4098" name="Picture 2" descr="C:\Users\William\Desktop\barretr_Key.png"/>
+          <p:cNvPr id="2052" name="Picture 4" descr="C:\Users\William\Desktop\enveloppe.png"/>
           <p:cNvPicPr>
             <a:picLocks noChangeAspect="1" noChangeArrowheads="1"/>
           </p:cNvPicPr>
           <p:nvPr/>
         </p:nvPicPr>
         <p:blipFill>
-          <a:blip r:embed="rId5" cstate="print"/>
+          <a:blip r:embed="rId4" cstate="print"/>
           <a:srcRect/>
           <a:stretch>
             <a:fillRect/>
@@ -5215,8 +5721,8 @@
         </p:blipFill>
         <p:spPr bwMode="auto">
           <a:xfrm>
-            <a:off x="3779912" y="2996952"/>
-            <a:ext cx="373508" cy="376516"/>
+            <a:off x="4499992" y="3789040"/>
+            <a:ext cx="518294" cy="518294"/>
           </a:xfrm>
           <a:prstGeom prst="rect">
             <a:avLst/>
@@ -5224,6 +5730,44 @@
           <a:noFill/>
         </p:spPr>
       </p:pic>
+      <p:sp>
+        <p:nvSpPr>
+          <p:cNvPr id="12" name="ZoneTexte 11"/>
+          <p:cNvSpPr txBox="1"/>
+          <p:nvPr/>
+        </p:nvSpPr>
+        <p:spPr>
+          <a:xfrm>
+            <a:off x="3059832" y="2924944"/>
+            <a:ext cx="3168352" cy="369332"/>
+          </a:xfrm>
+          <a:prstGeom prst="rect">
+            <a:avLst/>
+          </a:prstGeom>
+          <a:noFill/>
+        </p:spPr>
+        <p:txBody>
+          <a:bodyPr wrap="square" rtlCol="0">
+            <a:spAutoFit/>
+          </a:bodyPr>
+          <a:lstStyle/>
+          <a:p>
+            <a:r>
+              <a:rPr lang="fr-FR" dirty="0" smtClean="0"/>
+              <a:t>Ticket-</a:t>
+            </a:r>
+            <a:r>
+              <a:rPr lang="fr-FR" dirty="0" err="1" smtClean="0"/>
+              <a:t>Granting</a:t>
+            </a:r>
+            <a:r>
+              <a:rPr lang="fr-FR" dirty="0" smtClean="0"/>
+              <a:t> Ticket (TGT)</a:t>
+            </a:r>
+            <a:endParaRPr lang="fr-FR" dirty="0"/>
+          </a:p>
+        </p:txBody>
+      </p:sp>
     </p:spTree>
   </p:cSld>
   <p:clrMapOvr>
@@ -5261,9 +5805,7 @@
         </p:nvSpPr>
         <p:spPr/>
         <p:txBody>
-          <a:bodyPr>
-            <a:normAutofit/>
-          </a:bodyPr>
+          <a:bodyPr/>
           <a:lstStyle/>
           <a:p>
             <a:r>
@@ -5328,157 +5870,7 @@
       </p:pic>
       <p:sp>
         <p:nvSpPr>
-          <p:cNvPr id="6" name="ZoneTexte 5"/>
-          <p:cNvSpPr txBox="1"/>
-          <p:nvPr/>
-        </p:nvSpPr>
-        <p:spPr>
-          <a:xfrm>
-            <a:off x="3851920" y="3068960"/>
-            <a:ext cx="2880320" cy="369332"/>
-          </a:xfrm>
-          <a:prstGeom prst="rect">
-            <a:avLst/>
-          </a:prstGeom>
-          <a:noFill/>
-        </p:spPr>
-        <p:txBody>
-          <a:bodyPr wrap="square" rtlCol="0">
-            <a:spAutoFit/>
-          </a:bodyPr>
-          <a:lstStyle/>
-          <a:p>
-            <a:r>
-              <a:rPr lang="fr-FR" dirty="0" smtClean="0"/>
-              <a:t>Clé encryptée</a:t>
-            </a:r>
-            <a:endParaRPr lang="fr-FR" dirty="0"/>
-          </a:p>
-        </p:txBody>
-      </p:sp>
-      <p:sp>
-        <p:nvSpPr>
-          <p:cNvPr id="7" name="ZoneTexte 6"/>
-          <p:cNvSpPr txBox="1"/>
-          <p:nvPr/>
-        </p:nvSpPr>
-        <p:spPr>
-          <a:xfrm>
-            <a:off x="4211960" y="692696"/>
-            <a:ext cx="3275856" cy="369332"/>
-          </a:xfrm>
-          <a:prstGeom prst="rect">
-            <a:avLst/>
-          </a:prstGeom>
-          <a:noFill/>
-        </p:spPr>
-        <p:txBody>
-          <a:bodyPr wrap="square" rtlCol="0">
-            <a:spAutoFit/>
-          </a:bodyPr>
-          <a:lstStyle/>
-          <a:p>
-            <a:r>
-              <a:rPr lang="fr-FR" dirty="0" smtClean="0"/>
-              <a:t>Authentification Server (AS)</a:t>
-            </a:r>
-            <a:endParaRPr lang="fr-FR" dirty="0"/>
-          </a:p>
-        </p:txBody>
-      </p:sp>
-      <p:sp>
-        <p:nvSpPr>
-          <p:cNvPr id="9" name="ZoneTexte 8"/>
-          <p:cNvSpPr txBox="1"/>
-          <p:nvPr/>
-        </p:nvSpPr>
-        <p:spPr>
-          <a:xfrm>
-            <a:off x="4211960" y="1268760"/>
-            <a:ext cx="3275856" cy="369332"/>
-          </a:xfrm>
-          <a:prstGeom prst="rect">
-            <a:avLst/>
-          </a:prstGeom>
-          <a:noFill/>
-        </p:spPr>
-        <p:txBody>
-          <a:bodyPr wrap="square" rtlCol="0">
-            <a:spAutoFit/>
-          </a:bodyPr>
-          <a:lstStyle/>
-          <a:p>
-            <a:r>
-              <a:rPr lang="fr-FR" dirty="0" smtClean="0"/>
-              <a:t>Ticket-</a:t>
-            </a:r>
-            <a:r>
-              <a:rPr lang="fr-FR" dirty="0" err="1" smtClean="0"/>
-              <a:t>Granting</a:t>
-            </a:r>
-            <a:r>
-              <a:rPr lang="fr-FR" dirty="0" smtClean="0"/>
-              <a:t> Server (TGS)</a:t>
-            </a:r>
-            <a:endParaRPr lang="fr-FR" dirty="0"/>
-          </a:p>
-        </p:txBody>
-      </p:sp>
-      <p:pic>
-        <p:nvPicPr>
-          <p:cNvPr id="11" name="Picture 2" descr="C:\Users\William\Desktop\barretr_Key.png"/>
-          <p:cNvPicPr>
-            <a:picLocks noChangeAspect="1" noChangeArrowheads="1"/>
-          </p:cNvPicPr>
-          <p:nvPr/>
-        </p:nvPicPr>
-        <p:blipFill>
-          <a:blip r:embed="rId4" cstate="print"/>
-          <a:srcRect/>
-          <a:stretch>
-            <a:fillRect/>
-          </a:stretch>
-        </p:blipFill>
-        <p:spPr bwMode="auto">
-          <a:xfrm>
-            <a:off x="3347864" y="2996952"/>
-            <a:ext cx="373508" cy="376516"/>
-          </a:xfrm>
-          <a:prstGeom prst="rect">
-            <a:avLst/>
-          </a:prstGeom>
-          <a:noFill/>
-        </p:spPr>
-      </p:pic>
-      <p:pic>
-        <p:nvPicPr>
-          <p:cNvPr id="12" name="Picture 4" descr="C:\Users\William\Desktop\serveur.png"/>
-          <p:cNvPicPr>
-            <a:picLocks noChangeAspect="1" noChangeArrowheads="1"/>
-          </p:cNvPicPr>
-          <p:nvPr/>
-        </p:nvPicPr>
-        <p:blipFill>
-          <a:blip r:embed="rId3" cstate="print"/>
-          <a:srcRect/>
-          <a:stretch>
-            <a:fillRect/>
-          </a:stretch>
-        </p:blipFill>
-        <p:spPr bwMode="auto">
-          <a:xfrm>
-            <a:off x="7308304" y="764704"/>
-            <a:ext cx="707129" cy="1106637"/>
-          </a:xfrm>
-          <a:prstGeom prst="rect">
-            <a:avLst/>
-          </a:prstGeom>
-          <a:noFill/>
-        </p:spPr>
-      </p:pic>
-      <p:sp>
-        <p:nvSpPr>
-          <p:cNvPr id="13" name="Flèche droite 12"/>
+          <p:cNvPr id="6" name="Flèche droite 5"/>
           <p:cNvSpPr/>
           <p:nvPr/>
         </p:nvSpPr>
@@ -5516,9 +5908,133 @@
           </a:p>
         </p:txBody>
       </p:sp>
+      <p:sp>
+        <p:nvSpPr>
+          <p:cNvPr id="7" name="ZoneTexte 6"/>
+          <p:cNvSpPr txBox="1"/>
+          <p:nvPr/>
+        </p:nvSpPr>
+        <p:spPr>
+          <a:xfrm>
+            <a:off x="3851920" y="3068960"/>
+            <a:ext cx="2880320" cy="369332"/>
+          </a:xfrm>
+          <a:prstGeom prst="rect">
+            <a:avLst/>
+          </a:prstGeom>
+          <a:noFill/>
+        </p:spPr>
+        <p:txBody>
+          <a:bodyPr wrap="square" rtlCol="0">
+            <a:spAutoFit/>
+          </a:bodyPr>
+          <a:lstStyle/>
+          <a:p>
+            <a:r>
+              <a:rPr lang="fr-FR" dirty="0" smtClean="0"/>
+              <a:t>TGT</a:t>
+            </a:r>
+            <a:endParaRPr lang="fr-FR" dirty="0"/>
+          </a:p>
+        </p:txBody>
+      </p:sp>
+      <p:sp>
+        <p:nvSpPr>
+          <p:cNvPr id="8" name="ZoneTexte 7"/>
+          <p:cNvSpPr txBox="1"/>
+          <p:nvPr/>
+        </p:nvSpPr>
+        <p:spPr>
+          <a:xfrm>
+            <a:off x="4211960" y="692696"/>
+            <a:ext cx="3275856" cy="369332"/>
+          </a:xfrm>
+          <a:prstGeom prst="rect">
+            <a:avLst/>
+          </a:prstGeom>
+          <a:noFill/>
+        </p:spPr>
+        <p:txBody>
+          <a:bodyPr wrap="square" rtlCol="0">
+            <a:spAutoFit/>
+          </a:bodyPr>
+          <a:lstStyle/>
+          <a:p>
+            <a:r>
+              <a:rPr lang="fr-FR" dirty="0" smtClean="0"/>
+              <a:t>Authentification Server (AS)</a:t>
+            </a:r>
+            <a:endParaRPr lang="fr-FR" dirty="0"/>
+          </a:p>
+        </p:txBody>
+      </p:sp>
       <p:pic>
         <p:nvPicPr>
-          <p:cNvPr id="14" name="Picture 4" descr="C:\Users\William\Desktop\serveur.png"/>
+          <p:cNvPr id="9" name="Picture 4" descr="C:\Users\William\Desktop\serveur.png"/>
+          <p:cNvPicPr>
+            <a:picLocks noChangeAspect="1" noChangeArrowheads="1"/>
+          </p:cNvPicPr>
+          <p:nvPr/>
+        </p:nvPicPr>
+        <p:blipFill>
+          <a:blip r:embed="rId4" cstate="print"/>
+          <a:srcRect/>
+          <a:stretch>
+            <a:fillRect/>
+          </a:stretch>
+        </p:blipFill>
+        <p:spPr bwMode="auto">
+          <a:xfrm>
+            <a:off x="6228184" y="2492896"/>
+            <a:ext cx="1305290" cy="2042741"/>
+          </a:xfrm>
+          <a:prstGeom prst="rect">
+            <a:avLst/>
+          </a:prstGeom>
+          <a:noFill/>
+        </p:spPr>
+      </p:pic>
+      <p:sp>
+        <p:nvSpPr>
+          <p:cNvPr id="11" name="ZoneTexte 10"/>
+          <p:cNvSpPr txBox="1"/>
+          <p:nvPr/>
+        </p:nvSpPr>
+        <p:spPr>
+          <a:xfrm>
+            <a:off x="5436096" y="4653136"/>
+            <a:ext cx="3275856" cy="369332"/>
+          </a:xfrm>
+          <a:prstGeom prst="rect">
+            <a:avLst/>
+          </a:prstGeom>
+          <a:noFill/>
+        </p:spPr>
+        <p:txBody>
+          <a:bodyPr wrap="square" rtlCol="0">
+            <a:spAutoFit/>
+          </a:bodyPr>
+          <a:lstStyle/>
+          <a:p>
+            <a:r>
+              <a:rPr lang="fr-FR" dirty="0" smtClean="0"/>
+              <a:t>Ticket-</a:t>
+            </a:r>
+            <a:r>
+              <a:rPr lang="fr-FR" dirty="0" err="1" smtClean="0"/>
+              <a:t>Granting</a:t>
+            </a:r>
+            <a:r>
+              <a:rPr lang="fr-FR" dirty="0" smtClean="0"/>
+              <a:t> Server (TGS)</a:t>
+            </a:r>
+            <a:endParaRPr lang="fr-FR" dirty="0"/>
+          </a:p>
+        </p:txBody>
+      </p:sp>
+      <p:pic>
+        <p:nvPicPr>
+          <p:cNvPr id="3074" name="Picture 2" descr="C:\Users\William\Desktop\enveloppe.png"/>
           <p:cNvPicPr>
             <a:picLocks noChangeAspect="1" noChangeArrowheads="1"/>
           </p:cNvPicPr>
@@ -5533,8 +6049,8 @@
         </p:blipFill>
         <p:spPr bwMode="auto">
           <a:xfrm>
-            <a:off x="6228184" y="2492896"/>
-            <a:ext cx="1305290" cy="2042741"/>
+            <a:off x="3419872" y="2996952"/>
+            <a:ext cx="429196" cy="429196"/>
           </a:xfrm>
           <a:prstGeom prst="rect">
             <a:avLst/>
@@ -5542,22 +6058,127 @@
           <a:noFill/>
         </p:spPr>
       </p:pic>
-      <p:sp>
-        <p:nvSpPr>
-          <p:cNvPr id="15" name="ZoneTexte 14"/>
-          <p:cNvSpPr txBox="1"/>
+    </p:spTree>
+  </p:cSld>
+  <p:clrMapOvr>
+    <a:masterClrMapping/>
+  </p:clrMapOvr>
+</p:sld>
+</file>
+
+<file path=ppt/slides/slide9.xml><?xml version="1.0" encoding="utf-8"?>
+<p:sld xmlns:a="http://schemas.openxmlformats.org/drawingml/2006/main" xmlns:r="http://schemas.openxmlformats.org/officeDocument/2006/relationships" xmlns:p="http://schemas.openxmlformats.org/presentationml/2006/main">
+  <p:cSld>
+    <p:spTree>
+      <p:nvGrpSpPr>
+        <p:cNvPr id="1" name=""/>
+        <p:cNvGrpSpPr/>
+        <p:nvPr/>
+      </p:nvGrpSpPr>
+      <p:grpSpPr>
+        <a:xfrm>
+          <a:off x="0" y="0"/>
+          <a:ext cx="0" cy="0"/>
+          <a:chOff x="0" y="0"/>
+          <a:chExt cx="0" cy="0"/>
+        </a:xfrm>
+      </p:grpSpPr>
+      <p:sp>
+        <p:nvSpPr>
+          <p:cNvPr id="13" name="Titre 1"/>
+          <p:cNvSpPr>
+            <a:spLocks noGrp="1"/>
+          </p:cNvSpPr>
+          <p:nvPr>
+            <p:ph type="title"/>
+          </p:nvPr>
+        </p:nvSpPr>
+        <p:spPr>
+          <a:xfrm>
+            <a:off x="457200" y="274638"/>
+            <a:ext cx="7467600" cy="1143000"/>
+          </a:xfrm>
+        </p:spPr>
+        <p:txBody>
+          <a:bodyPr/>
+          <a:lstStyle/>
+          <a:p>
+            <a:r>
+              <a:rPr lang="fr-FR" dirty="0" err="1" smtClean="0"/>
+              <a:t>Kerberos</a:t>
+            </a:r>
+            <a:endParaRPr lang="fr-FR" dirty="0"/>
+          </a:p>
+        </p:txBody>
+      </p:sp>
+      <p:pic>
+        <p:nvPicPr>
+          <p:cNvPr id="14" name="Picture 3" descr="C:\Users\William\Desktop\client.png"/>
+          <p:cNvPicPr>
+            <a:picLocks noChangeAspect="1" noChangeArrowheads="1"/>
+          </p:cNvPicPr>
           <p:nvPr/>
-        </p:nvSpPr>
-        <p:spPr>
-          <a:xfrm>
-            <a:off x="5868144" y="4581128"/>
-            <a:ext cx="3275856" cy="369332"/>
+        </p:nvPicPr>
+        <p:blipFill>
+          <a:blip r:embed="rId2" cstate="print"/>
+          <a:srcRect/>
+          <a:stretch>
+            <a:fillRect/>
+          </a:stretch>
+        </p:blipFill>
+        <p:spPr bwMode="auto">
+          <a:xfrm>
+            <a:off x="1187624" y="2204864"/>
+            <a:ext cx="1596348" cy="2568402"/>
           </a:xfrm>
           <a:prstGeom prst="rect">
             <a:avLst/>
           </a:prstGeom>
           <a:noFill/>
         </p:spPr>
+      </p:pic>
+      <p:pic>
+        <p:nvPicPr>
+          <p:cNvPr id="15" name="Picture 4" descr="C:\Users\William\Desktop\serveur.png"/>
+          <p:cNvPicPr>
+            <a:picLocks noChangeAspect="1" noChangeArrowheads="1"/>
+          </p:cNvPicPr>
+          <p:nvPr/>
+        </p:nvPicPr>
+        <p:blipFill>
+          <a:blip r:embed="rId3" cstate="print"/>
+          <a:srcRect/>
+          <a:stretch>
+            <a:fillRect/>
+          </a:stretch>
+        </p:blipFill>
+        <p:spPr bwMode="auto">
+          <a:xfrm>
+            <a:off x="7092280" y="332656"/>
+            <a:ext cx="707129" cy="1106637"/>
+          </a:xfrm>
+          <a:prstGeom prst="rect">
+            <a:avLst/>
+          </a:prstGeom>
+          <a:noFill/>
+        </p:spPr>
+      </p:pic>
+      <p:sp>
+        <p:nvSpPr>
+          <p:cNvPr id="17" name="ZoneTexte 16"/>
+          <p:cNvSpPr txBox="1"/>
+          <p:nvPr/>
+        </p:nvSpPr>
+        <p:spPr>
+          <a:xfrm>
+            <a:off x="4139952" y="3068960"/>
+            <a:ext cx="2880320" cy="369332"/>
+          </a:xfrm>
+          <a:prstGeom prst="rect">
+            <a:avLst/>
+          </a:prstGeom>
+          <a:noFill/>
+        </p:spPr>
         <p:txBody>
           <a:bodyPr wrap="square" rtlCol="0">
             <a:spAutoFit/>
@@ -5566,12 +6187,175 @@
           <a:p>
             <a:r>
               <a:rPr lang="fr-FR" dirty="0" smtClean="0"/>
-              <a:t>Service demandé</a:t>
+              <a:t>Clé encryptée</a:t>
             </a:r>
             <a:endParaRPr lang="fr-FR" dirty="0"/>
           </a:p>
         </p:txBody>
       </p:sp>
+      <p:sp>
+        <p:nvSpPr>
+          <p:cNvPr id="18" name="ZoneTexte 17"/>
+          <p:cNvSpPr txBox="1"/>
+          <p:nvPr/>
+        </p:nvSpPr>
+        <p:spPr>
+          <a:xfrm>
+            <a:off x="4211960" y="692696"/>
+            <a:ext cx="3275856" cy="369332"/>
+          </a:xfrm>
+          <a:prstGeom prst="rect">
+            <a:avLst/>
+          </a:prstGeom>
+          <a:noFill/>
+        </p:spPr>
+        <p:txBody>
+          <a:bodyPr wrap="square" rtlCol="0">
+            <a:spAutoFit/>
+          </a:bodyPr>
+          <a:lstStyle/>
+          <a:p>
+            <a:r>
+              <a:rPr lang="fr-FR" dirty="0" smtClean="0"/>
+              <a:t>Authentification Server (AS)</a:t>
+            </a:r>
+            <a:endParaRPr lang="fr-FR" dirty="0"/>
+          </a:p>
+        </p:txBody>
+      </p:sp>
+      <p:pic>
+        <p:nvPicPr>
+          <p:cNvPr id="19" name="Picture 4" descr="C:\Users\William\Desktop\serveur.png"/>
+          <p:cNvPicPr>
+            <a:picLocks noChangeAspect="1" noChangeArrowheads="1"/>
+          </p:cNvPicPr>
+          <p:nvPr/>
+        </p:nvPicPr>
+        <p:blipFill>
+          <a:blip r:embed="rId4" cstate="print"/>
+          <a:srcRect/>
+          <a:stretch>
+            <a:fillRect/>
+          </a:stretch>
+        </p:blipFill>
+        <p:spPr bwMode="auto">
+          <a:xfrm>
+            <a:off x="6228184" y="2492896"/>
+            <a:ext cx="1305290" cy="2042741"/>
+          </a:xfrm>
+          <a:prstGeom prst="rect">
+            <a:avLst/>
+          </a:prstGeom>
+          <a:noFill/>
+        </p:spPr>
+      </p:pic>
+      <p:sp>
+        <p:nvSpPr>
+          <p:cNvPr id="20" name="ZoneTexte 19"/>
+          <p:cNvSpPr txBox="1"/>
+          <p:nvPr/>
+        </p:nvSpPr>
+        <p:spPr>
+          <a:xfrm>
+            <a:off x="5436096" y="4653136"/>
+            <a:ext cx="3275856" cy="369332"/>
+          </a:xfrm>
+          <a:prstGeom prst="rect">
+            <a:avLst/>
+          </a:prstGeom>
+          <a:noFill/>
+        </p:spPr>
+        <p:txBody>
+          <a:bodyPr wrap="square" rtlCol="0">
+            <a:spAutoFit/>
+          </a:bodyPr>
+          <a:lstStyle/>
+          <a:p>
+            <a:r>
+              <a:rPr lang="fr-FR" dirty="0" smtClean="0"/>
+              <a:t>Ticket-</a:t>
+            </a:r>
+            <a:r>
+              <a:rPr lang="fr-FR" dirty="0" err="1" smtClean="0"/>
+              <a:t>Granting</a:t>
+            </a:r>
+            <a:r>
+              <a:rPr lang="fr-FR" dirty="0" smtClean="0"/>
+              <a:t> Server (TGS)</a:t>
+            </a:r>
+            <a:endParaRPr lang="fr-FR" dirty="0"/>
+          </a:p>
+        </p:txBody>
+      </p:sp>
+      <p:sp>
+        <p:nvSpPr>
+          <p:cNvPr id="22" name="Flèche droite 21"/>
+          <p:cNvSpPr/>
+          <p:nvPr/>
+        </p:nvSpPr>
+        <p:spPr>
+          <a:xfrm flipH="1">
+            <a:off x="3203848" y="3284984"/>
+            <a:ext cx="2520280" cy="648072"/>
+          </a:xfrm>
+          <a:prstGeom prst="rightArrow">
+            <a:avLst>
+              <a:gd name="adj1" fmla="val 51899"/>
+              <a:gd name="adj2" fmla="val 50000"/>
+            </a:avLst>
+          </a:prstGeom>
+        </p:spPr>
+        <p:style>
+          <a:lnRef idx="2">
+            <a:schemeClr val="accent1">
+              <a:shade val="50000"/>
+            </a:schemeClr>
+          </a:lnRef>
+          <a:fillRef idx="1">
+            <a:schemeClr val="accent1"/>
+          </a:fillRef>
+          <a:effectRef idx="0">
+            <a:schemeClr val="accent1"/>
+          </a:effectRef>
+          <a:fontRef idx="minor">
+            <a:schemeClr val="lt1"/>
+          </a:fontRef>
+        </p:style>
+        <p:txBody>
+          <a:bodyPr rtlCol="0" anchor="ctr"/>
+          <a:lstStyle/>
+          <a:p>
+            <a:pPr algn="ctr"/>
+            <a:endParaRPr lang="fr-FR"/>
+          </a:p>
+        </p:txBody>
+      </p:sp>
+      <p:pic>
+        <p:nvPicPr>
+          <p:cNvPr id="4098" name="Picture 2" descr="C:\Users\William\Desktop\barretr_Key.png"/>
+          <p:cNvPicPr>
+            <a:picLocks noChangeAspect="1" noChangeArrowheads="1"/>
+          </p:cNvPicPr>
+          <p:nvPr/>
+        </p:nvPicPr>
+        <p:blipFill>
+          <a:blip r:embed="rId5" cstate="print"/>
+          <a:srcRect/>
+          <a:stretch>
+            <a:fillRect/>
+          </a:stretch>
+        </p:blipFill>
+        <p:spPr bwMode="auto">
+          <a:xfrm>
+            <a:off x="3779912" y="2996952"/>
+            <a:ext cx="373508" cy="376516"/>
+          </a:xfrm>
+          <a:prstGeom prst="rect">
+            <a:avLst/>
+          </a:prstGeom>
+          <a:noFill/>
+        </p:spPr>
+      </p:pic>
     </p:spTree>
   </p:cSld>
   <p:clrMapOvr>

--- a/trunk/Powerpoint/projetsynthese.pptx
+++ b/trunk/Powerpoint/projetsynthese.pptx
@@ -5,20 +5,22 @@
     <p:sldMasterId id="2147483660" r:id="rId1"/>
   </p:sldMasterIdLst>
   <p:notesMasterIdLst>
-    <p:notesMasterId r:id="rId13"/>
+    <p:notesMasterId r:id="rId15"/>
   </p:notesMasterIdLst>
   <p:sldIdLst>
     <p:sldId id="256" r:id="rId2"/>
     <p:sldId id="258" r:id="rId3"/>
-    <p:sldId id="265" r:id="rId4"/>
-    <p:sldId id="259" r:id="rId5"/>
-    <p:sldId id="260" r:id="rId6"/>
-    <p:sldId id="267" r:id="rId7"/>
-    <p:sldId id="261" r:id="rId8"/>
-    <p:sldId id="262" r:id="rId9"/>
-    <p:sldId id="263" r:id="rId10"/>
-    <p:sldId id="264" r:id="rId11"/>
-    <p:sldId id="266" r:id="rId12"/>
+    <p:sldId id="268" r:id="rId4"/>
+    <p:sldId id="269" r:id="rId5"/>
+    <p:sldId id="265" r:id="rId6"/>
+    <p:sldId id="259" r:id="rId7"/>
+    <p:sldId id="260" r:id="rId8"/>
+    <p:sldId id="267" r:id="rId9"/>
+    <p:sldId id="261" r:id="rId10"/>
+    <p:sldId id="262" r:id="rId11"/>
+    <p:sldId id="263" r:id="rId12"/>
+    <p:sldId id="264" r:id="rId13"/>
+    <p:sldId id="266" r:id="rId14"/>
   </p:sldIdLst>
   <p:sldSz cx="9144000" cy="6858000" type="screen4x3"/>
   <p:notesSz cx="6858000" cy="9144000"/>
@@ -4090,9 +4092,7 @@
         </p:nvSpPr>
         <p:spPr/>
         <p:txBody>
-          <a:bodyPr>
-            <a:normAutofit/>
-          </a:bodyPr>
+          <a:bodyPr/>
           <a:lstStyle/>
           <a:p>
             <a:r>
@@ -4157,157 +4157,7 @@
       </p:pic>
       <p:sp>
         <p:nvSpPr>
-          <p:cNvPr id="6" name="ZoneTexte 5"/>
-          <p:cNvSpPr txBox="1"/>
-          <p:nvPr/>
-        </p:nvSpPr>
-        <p:spPr>
-          <a:xfrm>
-            <a:off x="3851920" y="3068960"/>
-            <a:ext cx="2880320" cy="369332"/>
-          </a:xfrm>
-          <a:prstGeom prst="rect">
-            <a:avLst/>
-          </a:prstGeom>
-          <a:noFill/>
-        </p:spPr>
-        <p:txBody>
-          <a:bodyPr wrap="square" rtlCol="0">
-            <a:spAutoFit/>
-          </a:bodyPr>
-          <a:lstStyle/>
-          <a:p>
-            <a:r>
-              <a:rPr lang="fr-FR" dirty="0" smtClean="0"/>
-              <a:t>Clé encryptée</a:t>
-            </a:r>
-            <a:endParaRPr lang="fr-FR" dirty="0"/>
-          </a:p>
-        </p:txBody>
-      </p:sp>
-      <p:sp>
-        <p:nvSpPr>
-          <p:cNvPr id="7" name="ZoneTexte 6"/>
-          <p:cNvSpPr txBox="1"/>
-          <p:nvPr/>
-        </p:nvSpPr>
-        <p:spPr>
-          <a:xfrm>
-            <a:off x="4211960" y="692696"/>
-            <a:ext cx="3275856" cy="369332"/>
-          </a:xfrm>
-          <a:prstGeom prst="rect">
-            <a:avLst/>
-          </a:prstGeom>
-          <a:noFill/>
-        </p:spPr>
-        <p:txBody>
-          <a:bodyPr wrap="square" rtlCol="0">
-            <a:spAutoFit/>
-          </a:bodyPr>
-          <a:lstStyle/>
-          <a:p>
-            <a:r>
-              <a:rPr lang="fr-FR" dirty="0" smtClean="0"/>
-              <a:t>Authentification Server (AS)</a:t>
-            </a:r>
-            <a:endParaRPr lang="fr-FR" dirty="0"/>
-          </a:p>
-        </p:txBody>
-      </p:sp>
-      <p:sp>
-        <p:nvSpPr>
-          <p:cNvPr id="9" name="ZoneTexte 8"/>
-          <p:cNvSpPr txBox="1"/>
-          <p:nvPr/>
-        </p:nvSpPr>
-        <p:spPr>
-          <a:xfrm>
-            <a:off x="4211960" y="1268760"/>
-            <a:ext cx="3275856" cy="369332"/>
-          </a:xfrm>
-          <a:prstGeom prst="rect">
-            <a:avLst/>
-          </a:prstGeom>
-          <a:noFill/>
-        </p:spPr>
-        <p:txBody>
-          <a:bodyPr wrap="square" rtlCol="0">
-            <a:spAutoFit/>
-          </a:bodyPr>
-          <a:lstStyle/>
-          <a:p>
-            <a:r>
-              <a:rPr lang="fr-FR" dirty="0" smtClean="0"/>
-              <a:t>Ticket-</a:t>
-            </a:r>
-            <a:r>
-              <a:rPr lang="fr-FR" dirty="0" err="1" smtClean="0"/>
-              <a:t>Granting</a:t>
-            </a:r>
-            <a:r>
-              <a:rPr lang="fr-FR" dirty="0" smtClean="0"/>
-              <a:t> Server (TGS)</a:t>
-            </a:r>
-            <a:endParaRPr lang="fr-FR" dirty="0"/>
-          </a:p>
-        </p:txBody>
-      </p:sp>
-      <p:pic>
-        <p:nvPicPr>
-          <p:cNvPr id="11" name="Picture 2" descr="C:\Users\William\Desktop\barretr_Key.png"/>
-          <p:cNvPicPr>
-            <a:picLocks noChangeAspect="1" noChangeArrowheads="1"/>
-          </p:cNvPicPr>
-          <p:nvPr/>
-        </p:nvPicPr>
-        <p:blipFill>
-          <a:blip r:embed="rId4" cstate="print"/>
-          <a:srcRect/>
-          <a:stretch>
-            <a:fillRect/>
-          </a:stretch>
-        </p:blipFill>
-        <p:spPr bwMode="auto">
-          <a:xfrm>
-            <a:off x="3347864" y="2996952"/>
-            <a:ext cx="373508" cy="376516"/>
-          </a:xfrm>
-          <a:prstGeom prst="rect">
-            <a:avLst/>
-          </a:prstGeom>
-          <a:noFill/>
-        </p:spPr>
-      </p:pic>
-      <p:pic>
-        <p:nvPicPr>
-          <p:cNvPr id="12" name="Picture 4" descr="C:\Users\William\Desktop\serveur.png"/>
-          <p:cNvPicPr>
-            <a:picLocks noChangeAspect="1" noChangeArrowheads="1"/>
-          </p:cNvPicPr>
-          <p:nvPr/>
-        </p:nvPicPr>
-        <p:blipFill>
-          <a:blip r:embed="rId3" cstate="print"/>
-          <a:srcRect/>
-          <a:stretch>
-            <a:fillRect/>
-          </a:stretch>
-        </p:blipFill>
-        <p:spPr bwMode="auto">
-          <a:xfrm>
-            <a:off x="7308304" y="764704"/>
-            <a:ext cx="707129" cy="1106637"/>
-          </a:xfrm>
-          <a:prstGeom prst="rect">
-            <a:avLst/>
-          </a:prstGeom>
-          <a:noFill/>
-        </p:spPr>
-      </p:pic>
-      <p:sp>
-        <p:nvSpPr>
-          <p:cNvPr id="13" name="Flèche droite 12"/>
+          <p:cNvPr id="6" name="Flèche droite 5"/>
           <p:cNvSpPr/>
           <p:nvPr/>
         </p:nvSpPr>
@@ -4347,14 +4197,14 @@
       </p:sp>
       <p:sp>
         <p:nvSpPr>
-          <p:cNvPr id="15" name="ZoneTexte 14"/>
+          <p:cNvPr id="7" name="ZoneTexte 6"/>
           <p:cNvSpPr txBox="1"/>
           <p:nvPr/>
         </p:nvSpPr>
         <p:spPr>
           <a:xfrm>
-            <a:off x="5868144" y="4221088"/>
-            <a:ext cx="3275856" cy="369332"/>
+            <a:off x="3851920" y="3068960"/>
+            <a:ext cx="2880320" cy="369332"/>
           </a:xfrm>
           <a:prstGeom prst="rect">
             <a:avLst/>
@@ -4369,7 +4219,7 @@
           <a:p>
             <a:r>
               <a:rPr lang="fr-FR" dirty="0" smtClean="0"/>
-              <a:t>Service demandé</a:t>
+              <a:t>TGT</a:t>
             </a:r>
             <a:endParaRPr lang="fr-FR" dirty="0"/>
           </a:p>
@@ -4377,73 +4227,93 @@
       </p:sp>
       <p:sp>
         <p:nvSpPr>
-          <p:cNvPr id="16" name="Rectangle 15"/>
-          <p:cNvSpPr/>
+          <p:cNvPr id="8" name="ZoneTexte 7"/>
+          <p:cNvSpPr txBox="1"/>
           <p:nvPr/>
         </p:nvSpPr>
         <p:spPr>
           <a:xfrm>
-            <a:off x="4283968" y="332656"/>
-            <a:ext cx="3744416" cy="1584176"/>
+            <a:off x="4211960" y="692696"/>
+            <a:ext cx="3275856" cy="369332"/>
           </a:xfrm>
           <a:prstGeom prst="rect">
             <a:avLst/>
           </a:prstGeom>
           <a:noFill/>
-          <a:ln>
-            <a:solidFill>
-              <a:schemeClr val="accent6"/>
-            </a:solidFill>
-          </a:ln>
-        </p:spPr>
-        <p:style>
-          <a:lnRef idx="2">
-            <a:schemeClr val="accent6"/>
-          </a:lnRef>
-          <a:fillRef idx="1">
-            <a:schemeClr val="lt1"/>
-          </a:fillRef>
-          <a:effectRef idx="0">
-            <a:schemeClr val="accent6"/>
-          </a:effectRef>
-          <a:fontRef idx="minor">
-            <a:schemeClr val="dk1"/>
-          </a:fontRef>
-        </p:style>
-        <p:txBody>
-          <a:bodyPr rtlCol="0" anchor="ctr"/>
-          <a:lstStyle/>
-          <a:p>
-            <a:pPr algn="ctr"/>
-            <a:endParaRPr lang="fr-FR"/>
-          </a:p>
-        </p:txBody>
-      </p:sp>
-      <p:sp>
-        <p:nvSpPr>
-          <p:cNvPr id="17" name="ZoneTexte 16"/>
-          <p:cNvSpPr txBox="1"/>
+        </p:spPr>
+        <p:txBody>
+          <a:bodyPr wrap="square" rtlCol="0">
+            <a:spAutoFit/>
+          </a:bodyPr>
+          <a:lstStyle/>
+          <a:p>
+            <a:r>
+              <a:rPr lang="fr-FR" dirty="0" smtClean="0"/>
+              <a:t>Authentification Server (AS)</a:t>
+            </a:r>
+            <a:endParaRPr lang="fr-FR" dirty="0"/>
+          </a:p>
+        </p:txBody>
+      </p:sp>
+      <p:pic>
+        <p:nvPicPr>
+          <p:cNvPr id="9" name="Picture 4" descr="C:\Users\William\Desktop\serveur.png"/>
+          <p:cNvPicPr>
+            <a:picLocks noChangeAspect="1" noChangeArrowheads="1"/>
+          </p:cNvPicPr>
           <p:nvPr/>
-        </p:nvSpPr>
-        <p:spPr>
-          <a:xfrm>
-            <a:off x="4572000" y="0"/>
-            <a:ext cx="3262432" cy="369332"/>
+        </p:nvPicPr>
+        <p:blipFill>
+          <a:blip r:embed="rId4" cstate="print"/>
+          <a:srcRect/>
+          <a:stretch>
+            <a:fillRect/>
+          </a:stretch>
+        </p:blipFill>
+        <p:spPr bwMode="auto">
+          <a:xfrm>
+            <a:off x="6228184" y="2492896"/>
+            <a:ext cx="1305290" cy="2042741"/>
           </a:xfrm>
           <a:prstGeom prst="rect">
             <a:avLst/>
           </a:prstGeom>
           <a:noFill/>
         </p:spPr>
-        <p:txBody>
-          <a:bodyPr wrap="none" rtlCol="0">
+      </p:pic>
+      <p:sp>
+        <p:nvSpPr>
+          <p:cNvPr id="11" name="ZoneTexte 10"/>
+          <p:cNvSpPr txBox="1"/>
+          <p:nvPr/>
+        </p:nvSpPr>
+        <p:spPr>
+          <a:xfrm>
+            <a:off x="5436096" y="4653136"/>
+            <a:ext cx="3275856" cy="369332"/>
+          </a:xfrm>
+          <a:prstGeom prst="rect">
+            <a:avLst/>
+          </a:prstGeom>
+          <a:noFill/>
+        </p:spPr>
+        <p:txBody>
+          <a:bodyPr wrap="square" rtlCol="0">
             <a:spAutoFit/>
           </a:bodyPr>
           <a:lstStyle/>
           <a:p>
             <a:r>
               <a:rPr lang="fr-FR" dirty="0" smtClean="0"/>
-              <a:t>Key Distribution Center (KDC)</a:t>
+              <a:t>Ticket-</a:t>
+            </a:r>
+            <a:r>
+              <a:rPr lang="fr-FR" dirty="0" err="1" smtClean="0"/>
+              <a:t>Granting</a:t>
+            </a:r>
+            <a:r>
+              <a:rPr lang="fr-FR" dirty="0" smtClean="0"/>
+              <a:t> Server (TGS)</a:t>
             </a:r>
             <a:endParaRPr lang="fr-FR" dirty="0"/>
           </a:p>
@@ -4451,7 +4321,7 @@
       </p:sp>
       <p:pic>
         <p:nvPicPr>
-          <p:cNvPr id="3074" name="Picture 2" descr="http://www.veryicon.com/icon/png/Hardware/Servers%20Icons/Web%20server.png"/>
+          <p:cNvPr id="3074" name="Picture 2" descr="C:\Users\William\Desktop\enveloppe.png"/>
           <p:cNvPicPr>
             <a:picLocks noChangeAspect="1" noChangeArrowheads="1"/>
           </p:cNvPicPr>
@@ -4466,8 +4336,8 @@
         </p:blipFill>
         <p:spPr bwMode="auto">
           <a:xfrm>
-            <a:off x="6156176" y="2924944"/>
-            <a:ext cx="1219200" cy="1219201"/>
+            <a:off x="3419872" y="2996952"/>
+            <a:ext cx="429196" cy="429196"/>
           </a:xfrm>
           <a:prstGeom prst="rect">
             <a:avLst/>
@@ -4502,6 +4372,726 @@
       </p:grpSpPr>
       <p:sp>
         <p:nvSpPr>
+          <p:cNvPr id="13" name="Titre 1"/>
+          <p:cNvSpPr>
+            <a:spLocks noGrp="1"/>
+          </p:cNvSpPr>
+          <p:nvPr>
+            <p:ph type="title"/>
+          </p:nvPr>
+        </p:nvSpPr>
+        <p:spPr>
+          <a:xfrm>
+            <a:off x="457200" y="274638"/>
+            <a:ext cx="7467600" cy="1143000"/>
+          </a:xfrm>
+        </p:spPr>
+        <p:txBody>
+          <a:bodyPr/>
+          <a:lstStyle/>
+          <a:p>
+            <a:r>
+              <a:rPr lang="fr-FR" dirty="0" err="1" smtClean="0"/>
+              <a:t>Kerberos</a:t>
+            </a:r>
+            <a:endParaRPr lang="fr-FR" dirty="0"/>
+          </a:p>
+        </p:txBody>
+      </p:sp>
+      <p:pic>
+        <p:nvPicPr>
+          <p:cNvPr id="14" name="Picture 3" descr="C:\Users\William\Desktop\client.png"/>
+          <p:cNvPicPr>
+            <a:picLocks noChangeAspect="1" noChangeArrowheads="1"/>
+          </p:cNvPicPr>
+          <p:nvPr/>
+        </p:nvPicPr>
+        <p:blipFill>
+          <a:blip r:embed="rId2" cstate="print"/>
+          <a:srcRect/>
+          <a:stretch>
+            <a:fillRect/>
+          </a:stretch>
+        </p:blipFill>
+        <p:spPr bwMode="auto">
+          <a:xfrm>
+            <a:off x="1187624" y="2204864"/>
+            <a:ext cx="1596348" cy="2568402"/>
+          </a:xfrm>
+          <a:prstGeom prst="rect">
+            <a:avLst/>
+          </a:prstGeom>
+          <a:noFill/>
+        </p:spPr>
+      </p:pic>
+      <p:pic>
+        <p:nvPicPr>
+          <p:cNvPr id="15" name="Picture 4" descr="C:\Users\William\Desktop\serveur.png"/>
+          <p:cNvPicPr>
+            <a:picLocks noChangeAspect="1" noChangeArrowheads="1"/>
+          </p:cNvPicPr>
+          <p:nvPr/>
+        </p:nvPicPr>
+        <p:blipFill>
+          <a:blip r:embed="rId3" cstate="print"/>
+          <a:srcRect/>
+          <a:stretch>
+            <a:fillRect/>
+          </a:stretch>
+        </p:blipFill>
+        <p:spPr bwMode="auto">
+          <a:xfrm>
+            <a:off x="7092280" y="332656"/>
+            <a:ext cx="707129" cy="1106637"/>
+          </a:xfrm>
+          <a:prstGeom prst="rect">
+            <a:avLst/>
+          </a:prstGeom>
+          <a:noFill/>
+        </p:spPr>
+      </p:pic>
+      <p:sp>
+        <p:nvSpPr>
+          <p:cNvPr id="17" name="ZoneTexte 16"/>
+          <p:cNvSpPr txBox="1"/>
+          <p:nvPr/>
+        </p:nvSpPr>
+        <p:spPr>
+          <a:xfrm>
+            <a:off x="4139952" y="3068960"/>
+            <a:ext cx="2880320" cy="369332"/>
+          </a:xfrm>
+          <a:prstGeom prst="rect">
+            <a:avLst/>
+          </a:prstGeom>
+          <a:noFill/>
+        </p:spPr>
+        <p:txBody>
+          <a:bodyPr wrap="square" rtlCol="0">
+            <a:spAutoFit/>
+          </a:bodyPr>
+          <a:lstStyle/>
+          <a:p>
+            <a:r>
+              <a:rPr lang="fr-FR" dirty="0" smtClean="0"/>
+              <a:t>Clé encryptée</a:t>
+            </a:r>
+            <a:endParaRPr lang="fr-FR" dirty="0"/>
+          </a:p>
+        </p:txBody>
+      </p:sp>
+      <p:sp>
+        <p:nvSpPr>
+          <p:cNvPr id="18" name="ZoneTexte 17"/>
+          <p:cNvSpPr txBox="1"/>
+          <p:nvPr/>
+        </p:nvSpPr>
+        <p:spPr>
+          <a:xfrm>
+            <a:off x="4211960" y="692696"/>
+            <a:ext cx="3275856" cy="369332"/>
+          </a:xfrm>
+          <a:prstGeom prst="rect">
+            <a:avLst/>
+          </a:prstGeom>
+          <a:noFill/>
+        </p:spPr>
+        <p:txBody>
+          <a:bodyPr wrap="square" rtlCol="0">
+            <a:spAutoFit/>
+          </a:bodyPr>
+          <a:lstStyle/>
+          <a:p>
+            <a:r>
+              <a:rPr lang="fr-FR" dirty="0" smtClean="0"/>
+              <a:t>Authentification Server (AS)</a:t>
+            </a:r>
+            <a:endParaRPr lang="fr-FR" dirty="0"/>
+          </a:p>
+        </p:txBody>
+      </p:sp>
+      <p:pic>
+        <p:nvPicPr>
+          <p:cNvPr id="19" name="Picture 4" descr="C:\Users\William\Desktop\serveur.png"/>
+          <p:cNvPicPr>
+            <a:picLocks noChangeAspect="1" noChangeArrowheads="1"/>
+          </p:cNvPicPr>
+          <p:nvPr/>
+        </p:nvPicPr>
+        <p:blipFill>
+          <a:blip r:embed="rId4" cstate="print"/>
+          <a:srcRect/>
+          <a:stretch>
+            <a:fillRect/>
+          </a:stretch>
+        </p:blipFill>
+        <p:spPr bwMode="auto">
+          <a:xfrm>
+            <a:off x="6228184" y="2492896"/>
+            <a:ext cx="1305290" cy="2042741"/>
+          </a:xfrm>
+          <a:prstGeom prst="rect">
+            <a:avLst/>
+          </a:prstGeom>
+          <a:noFill/>
+        </p:spPr>
+      </p:pic>
+      <p:sp>
+        <p:nvSpPr>
+          <p:cNvPr id="20" name="ZoneTexte 19"/>
+          <p:cNvSpPr txBox="1"/>
+          <p:nvPr/>
+        </p:nvSpPr>
+        <p:spPr>
+          <a:xfrm>
+            <a:off x="5436096" y="4653136"/>
+            <a:ext cx="3275856" cy="369332"/>
+          </a:xfrm>
+          <a:prstGeom prst="rect">
+            <a:avLst/>
+          </a:prstGeom>
+          <a:noFill/>
+        </p:spPr>
+        <p:txBody>
+          <a:bodyPr wrap="square" rtlCol="0">
+            <a:spAutoFit/>
+          </a:bodyPr>
+          <a:lstStyle/>
+          <a:p>
+            <a:r>
+              <a:rPr lang="fr-FR" dirty="0" smtClean="0"/>
+              <a:t>Ticket-</a:t>
+            </a:r>
+            <a:r>
+              <a:rPr lang="fr-FR" dirty="0" err="1" smtClean="0"/>
+              <a:t>Granting</a:t>
+            </a:r>
+            <a:r>
+              <a:rPr lang="fr-FR" dirty="0" smtClean="0"/>
+              <a:t> Server (TGS)</a:t>
+            </a:r>
+            <a:endParaRPr lang="fr-FR" dirty="0"/>
+          </a:p>
+        </p:txBody>
+      </p:sp>
+      <p:sp>
+        <p:nvSpPr>
+          <p:cNvPr id="22" name="Flèche droite 21"/>
+          <p:cNvSpPr/>
+          <p:nvPr/>
+        </p:nvSpPr>
+        <p:spPr>
+          <a:xfrm flipH="1">
+            <a:off x="3203848" y="3284984"/>
+            <a:ext cx="2520280" cy="648072"/>
+          </a:xfrm>
+          <a:prstGeom prst="rightArrow">
+            <a:avLst>
+              <a:gd name="adj1" fmla="val 51899"/>
+              <a:gd name="adj2" fmla="val 50000"/>
+            </a:avLst>
+          </a:prstGeom>
+        </p:spPr>
+        <p:style>
+          <a:lnRef idx="2">
+            <a:schemeClr val="accent1">
+              <a:shade val="50000"/>
+            </a:schemeClr>
+          </a:lnRef>
+          <a:fillRef idx="1">
+            <a:schemeClr val="accent1"/>
+          </a:fillRef>
+          <a:effectRef idx="0">
+            <a:schemeClr val="accent1"/>
+          </a:effectRef>
+          <a:fontRef idx="minor">
+            <a:schemeClr val="lt1"/>
+          </a:fontRef>
+        </p:style>
+        <p:txBody>
+          <a:bodyPr rtlCol="0" anchor="ctr"/>
+          <a:lstStyle/>
+          <a:p>
+            <a:pPr algn="ctr"/>
+            <a:endParaRPr lang="fr-FR"/>
+          </a:p>
+        </p:txBody>
+      </p:sp>
+      <p:pic>
+        <p:nvPicPr>
+          <p:cNvPr id="4098" name="Picture 2" descr="C:\Users\William\Desktop\barretr_Key.png"/>
+          <p:cNvPicPr>
+            <a:picLocks noChangeAspect="1" noChangeArrowheads="1"/>
+          </p:cNvPicPr>
+          <p:nvPr/>
+        </p:nvPicPr>
+        <p:blipFill>
+          <a:blip r:embed="rId5" cstate="print"/>
+          <a:srcRect/>
+          <a:stretch>
+            <a:fillRect/>
+          </a:stretch>
+        </p:blipFill>
+        <p:spPr bwMode="auto">
+          <a:xfrm>
+            <a:off x="3779912" y="2996952"/>
+            <a:ext cx="373508" cy="376516"/>
+          </a:xfrm>
+          <a:prstGeom prst="rect">
+            <a:avLst/>
+          </a:prstGeom>
+          <a:noFill/>
+        </p:spPr>
+      </p:pic>
+    </p:spTree>
+  </p:cSld>
+  <p:clrMapOvr>
+    <a:masterClrMapping/>
+  </p:clrMapOvr>
+</p:sld>
+</file>
+
+<file path=ppt/slides/slide12.xml><?xml version="1.0" encoding="utf-8"?>
+<p:sld xmlns:a="http://schemas.openxmlformats.org/drawingml/2006/main" xmlns:r="http://schemas.openxmlformats.org/officeDocument/2006/relationships" xmlns:p="http://schemas.openxmlformats.org/presentationml/2006/main">
+  <p:cSld>
+    <p:spTree>
+      <p:nvGrpSpPr>
+        <p:cNvPr id="1" name=""/>
+        <p:cNvGrpSpPr/>
+        <p:nvPr/>
+      </p:nvGrpSpPr>
+      <p:grpSpPr>
+        <a:xfrm>
+          <a:off x="0" y="0"/>
+          <a:ext cx="0" cy="0"/>
+          <a:chOff x="0" y="0"/>
+          <a:chExt cx="0" cy="0"/>
+        </a:xfrm>
+      </p:grpSpPr>
+      <p:sp>
+        <p:nvSpPr>
+          <p:cNvPr id="2" name="Titre 1"/>
+          <p:cNvSpPr>
+            <a:spLocks noGrp="1"/>
+          </p:cNvSpPr>
+          <p:nvPr>
+            <p:ph type="title"/>
+          </p:nvPr>
+        </p:nvSpPr>
+        <p:spPr/>
+        <p:txBody>
+          <a:bodyPr>
+            <a:normAutofit/>
+          </a:bodyPr>
+          <a:lstStyle/>
+          <a:p>
+            <a:r>
+              <a:rPr lang="fr-FR" dirty="0" err="1" smtClean="0"/>
+              <a:t>Kerberos</a:t>
+            </a:r>
+            <a:endParaRPr lang="fr-FR" dirty="0"/>
+          </a:p>
+        </p:txBody>
+      </p:sp>
+      <p:pic>
+        <p:nvPicPr>
+          <p:cNvPr id="4" name="Picture 3" descr="C:\Users\William\Desktop\client.png"/>
+          <p:cNvPicPr>
+            <a:picLocks noChangeAspect="1" noChangeArrowheads="1"/>
+          </p:cNvPicPr>
+          <p:nvPr/>
+        </p:nvPicPr>
+        <p:blipFill>
+          <a:blip r:embed="rId2" cstate="print"/>
+          <a:srcRect/>
+          <a:stretch>
+            <a:fillRect/>
+          </a:stretch>
+        </p:blipFill>
+        <p:spPr bwMode="auto">
+          <a:xfrm>
+            <a:off x="1187624" y="2204864"/>
+            <a:ext cx="1596348" cy="2568402"/>
+          </a:xfrm>
+          <a:prstGeom prst="rect">
+            <a:avLst/>
+          </a:prstGeom>
+          <a:noFill/>
+        </p:spPr>
+      </p:pic>
+      <p:pic>
+        <p:nvPicPr>
+          <p:cNvPr id="5" name="Picture 4" descr="C:\Users\William\Desktop\serveur.png"/>
+          <p:cNvPicPr>
+            <a:picLocks noChangeAspect="1" noChangeArrowheads="1"/>
+          </p:cNvPicPr>
+          <p:nvPr/>
+        </p:nvPicPr>
+        <p:blipFill>
+          <a:blip r:embed="rId3" cstate="print"/>
+          <a:srcRect/>
+          <a:stretch>
+            <a:fillRect/>
+          </a:stretch>
+        </p:blipFill>
+        <p:spPr bwMode="auto">
+          <a:xfrm>
+            <a:off x="7092280" y="332656"/>
+            <a:ext cx="707129" cy="1106637"/>
+          </a:xfrm>
+          <a:prstGeom prst="rect">
+            <a:avLst/>
+          </a:prstGeom>
+          <a:noFill/>
+        </p:spPr>
+      </p:pic>
+      <p:sp>
+        <p:nvSpPr>
+          <p:cNvPr id="6" name="ZoneTexte 5"/>
+          <p:cNvSpPr txBox="1"/>
+          <p:nvPr/>
+        </p:nvSpPr>
+        <p:spPr>
+          <a:xfrm>
+            <a:off x="3851920" y="3068960"/>
+            <a:ext cx="2880320" cy="369332"/>
+          </a:xfrm>
+          <a:prstGeom prst="rect">
+            <a:avLst/>
+          </a:prstGeom>
+          <a:noFill/>
+        </p:spPr>
+        <p:txBody>
+          <a:bodyPr wrap="square" rtlCol="0">
+            <a:spAutoFit/>
+          </a:bodyPr>
+          <a:lstStyle/>
+          <a:p>
+            <a:r>
+              <a:rPr lang="fr-FR" dirty="0" smtClean="0"/>
+              <a:t>Clé encryptée</a:t>
+            </a:r>
+            <a:endParaRPr lang="fr-FR" dirty="0"/>
+          </a:p>
+        </p:txBody>
+      </p:sp>
+      <p:sp>
+        <p:nvSpPr>
+          <p:cNvPr id="7" name="ZoneTexte 6"/>
+          <p:cNvSpPr txBox="1"/>
+          <p:nvPr/>
+        </p:nvSpPr>
+        <p:spPr>
+          <a:xfrm>
+            <a:off x="4211960" y="692696"/>
+            <a:ext cx="3275856" cy="369332"/>
+          </a:xfrm>
+          <a:prstGeom prst="rect">
+            <a:avLst/>
+          </a:prstGeom>
+          <a:noFill/>
+        </p:spPr>
+        <p:txBody>
+          <a:bodyPr wrap="square" rtlCol="0">
+            <a:spAutoFit/>
+          </a:bodyPr>
+          <a:lstStyle/>
+          <a:p>
+            <a:r>
+              <a:rPr lang="fr-FR" dirty="0" smtClean="0"/>
+              <a:t>Authentification Server (AS)</a:t>
+            </a:r>
+            <a:endParaRPr lang="fr-FR" dirty="0"/>
+          </a:p>
+        </p:txBody>
+      </p:sp>
+      <p:sp>
+        <p:nvSpPr>
+          <p:cNvPr id="9" name="ZoneTexte 8"/>
+          <p:cNvSpPr txBox="1"/>
+          <p:nvPr/>
+        </p:nvSpPr>
+        <p:spPr>
+          <a:xfrm>
+            <a:off x="4211960" y="1268760"/>
+            <a:ext cx="3275856" cy="369332"/>
+          </a:xfrm>
+          <a:prstGeom prst="rect">
+            <a:avLst/>
+          </a:prstGeom>
+          <a:noFill/>
+        </p:spPr>
+        <p:txBody>
+          <a:bodyPr wrap="square" rtlCol="0">
+            <a:spAutoFit/>
+          </a:bodyPr>
+          <a:lstStyle/>
+          <a:p>
+            <a:r>
+              <a:rPr lang="fr-FR" dirty="0" smtClean="0"/>
+              <a:t>Ticket-</a:t>
+            </a:r>
+            <a:r>
+              <a:rPr lang="fr-FR" dirty="0" err="1" smtClean="0"/>
+              <a:t>Granting</a:t>
+            </a:r>
+            <a:r>
+              <a:rPr lang="fr-FR" dirty="0" smtClean="0"/>
+              <a:t> Server (TGS)</a:t>
+            </a:r>
+            <a:endParaRPr lang="fr-FR" dirty="0"/>
+          </a:p>
+        </p:txBody>
+      </p:sp>
+      <p:pic>
+        <p:nvPicPr>
+          <p:cNvPr id="11" name="Picture 2" descr="C:\Users\William\Desktop\barretr_Key.png"/>
+          <p:cNvPicPr>
+            <a:picLocks noChangeAspect="1" noChangeArrowheads="1"/>
+          </p:cNvPicPr>
+          <p:nvPr/>
+        </p:nvPicPr>
+        <p:blipFill>
+          <a:blip r:embed="rId4" cstate="print"/>
+          <a:srcRect/>
+          <a:stretch>
+            <a:fillRect/>
+          </a:stretch>
+        </p:blipFill>
+        <p:spPr bwMode="auto">
+          <a:xfrm>
+            <a:off x="3347864" y="2996952"/>
+            <a:ext cx="373508" cy="376516"/>
+          </a:xfrm>
+          <a:prstGeom prst="rect">
+            <a:avLst/>
+          </a:prstGeom>
+          <a:noFill/>
+        </p:spPr>
+      </p:pic>
+      <p:pic>
+        <p:nvPicPr>
+          <p:cNvPr id="12" name="Picture 4" descr="C:\Users\William\Desktop\serveur.png"/>
+          <p:cNvPicPr>
+            <a:picLocks noChangeAspect="1" noChangeArrowheads="1"/>
+          </p:cNvPicPr>
+          <p:nvPr/>
+        </p:nvPicPr>
+        <p:blipFill>
+          <a:blip r:embed="rId3" cstate="print"/>
+          <a:srcRect/>
+          <a:stretch>
+            <a:fillRect/>
+          </a:stretch>
+        </p:blipFill>
+        <p:spPr bwMode="auto">
+          <a:xfrm>
+            <a:off x="7308304" y="764704"/>
+            <a:ext cx="707129" cy="1106637"/>
+          </a:xfrm>
+          <a:prstGeom prst="rect">
+            <a:avLst/>
+          </a:prstGeom>
+          <a:noFill/>
+        </p:spPr>
+      </p:pic>
+      <p:sp>
+        <p:nvSpPr>
+          <p:cNvPr id="13" name="Flèche droite 12"/>
+          <p:cNvSpPr/>
+          <p:nvPr/>
+        </p:nvSpPr>
+        <p:spPr>
+          <a:xfrm>
+            <a:off x="3275856" y="3284984"/>
+            <a:ext cx="2520280" cy="648072"/>
+          </a:xfrm>
+          <a:prstGeom prst="rightArrow">
+            <a:avLst/>
+          </a:prstGeom>
+        </p:spPr>
+        <p:style>
+          <a:lnRef idx="2">
+            <a:schemeClr val="accent1">
+              <a:shade val="50000"/>
+            </a:schemeClr>
+          </a:lnRef>
+          <a:fillRef idx="1">
+            <a:schemeClr val="accent1"/>
+          </a:fillRef>
+          <a:effectRef idx="0">
+            <a:schemeClr val="accent1"/>
+          </a:effectRef>
+          <a:fontRef idx="minor">
+            <a:schemeClr val="lt1"/>
+          </a:fontRef>
+        </p:style>
+        <p:txBody>
+          <a:bodyPr rtlCol="0" anchor="ctr"/>
+          <a:lstStyle/>
+          <a:p>
+            <a:pPr algn="ctr"/>
+            <a:endParaRPr lang="fr-FR"/>
+          </a:p>
+        </p:txBody>
+      </p:sp>
+      <p:sp>
+        <p:nvSpPr>
+          <p:cNvPr id="15" name="ZoneTexte 14"/>
+          <p:cNvSpPr txBox="1"/>
+          <p:nvPr/>
+        </p:nvSpPr>
+        <p:spPr>
+          <a:xfrm>
+            <a:off x="5868144" y="4221088"/>
+            <a:ext cx="3275856" cy="369332"/>
+          </a:xfrm>
+          <a:prstGeom prst="rect">
+            <a:avLst/>
+          </a:prstGeom>
+          <a:noFill/>
+        </p:spPr>
+        <p:txBody>
+          <a:bodyPr wrap="square" rtlCol="0">
+            <a:spAutoFit/>
+          </a:bodyPr>
+          <a:lstStyle/>
+          <a:p>
+            <a:r>
+              <a:rPr lang="fr-FR" dirty="0" smtClean="0"/>
+              <a:t>Service demandé</a:t>
+            </a:r>
+            <a:endParaRPr lang="fr-FR" dirty="0"/>
+          </a:p>
+        </p:txBody>
+      </p:sp>
+      <p:sp>
+        <p:nvSpPr>
+          <p:cNvPr id="16" name="Rectangle 15"/>
+          <p:cNvSpPr/>
+          <p:nvPr/>
+        </p:nvSpPr>
+        <p:spPr>
+          <a:xfrm>
+            <a:off x="4283968" y="332656"/>
+            <a:ext cx="3744416" cy="1584176"/>
+          </a:xfrm>
+          <a:prstGeom prst="rect">
+            <a:avLst/>
+          </a:prstGeom>
+          <a:noFill/>
+          <a:ln>
+            <a:solidFill>
+              <a:schemeClr val="accent6"/>
+            </a:solidFill>
+          </a:ln>
+        </p:spPr>
+        <p:style>
+          <a:lnRef idx="2">
+            <a:schemeClr val="accent6"/>
+          </a:lnRef>
+          <a:fillRef idx="1">
+            <a:schemeClr val="lt1"/>
+          </a:fillRef>
+          <a:effectRef idx="0">
+            <a:schemeClr val="accent6"/>
+          </a:effectRef>
+          <a:fontRef idx="minor">
+            <a:schemeClr val="dk1"/>
+          </a:fontRef>
+        </p:style>
+        <p:txBody>
+          <a:bodyPr rtlCol="0" anchor="ctr"/>
+          <a:lstStyle/>
+          <a:p>
+            <a:pPr algn="ctr"/>
+            <a:endParaRPr lang="fr-FR"/>
+          </a:p>
+        </p:txBody>
+      </p:sp>
+      <p:sp>
+        <p:nvSpPr>
+          <p:cNvPr id="17" name="ZoneTexte 16"/>
+          <p:cNvSpPr txBox="1"/>
+          <p:nvPr/>
+        </p:nvSpPr>
+        <p:spPr>
+          <a:xfrm>
+            <a:off x="4572000" y="0"/>
+            <a:ext cx="3262432" cy="369332"/>
+          </a:xfrm>
+          <a:prstGeom prst="rect">
+            <a:avLst/>
+          </a:prstGeom>
+          <a:noFill/>
+        </p:spPr>
+        <p:txBody>
+          <a:bodyPr wrap="none" rtlCol="0">
+            <a:spAutoFit/>
+          </a:bodyPr>
+          <a:lstStyle/>
+          <a:p>
+            <a:r>
+              <a:rPr lang="fr-FR" dirty="0" smtClean="0"/>
+              <a:t>Key Distribution Center (KDC)</a:t>
+            </a:r>
+            <a:endParaRPr lang="fr-FR" dirty="0"/>
+          </a:p>
+        </p:txBody>
+      </p:sp>
+      <p:pic>
+        <p:nvPicPr>
+          <p:cNvPr id="3074" name="Picture 2" descr="http://www.veryicon.com/icon/png/Hardware/Servers%20Icons/Web%20server.png"/>
+          <p:cNvPicPr>
+            <a:picLocks noChangeAspect="1" noChangeArrowheads="1"/>
+          </p:cNvPicPr>
+          <p:nvPr/>
+        </p:nvPicPr>
+        <p:blipFill>
+          <a:blip r:embed="rId5" cstate="print"/>
+          <a:srcRect/>
+          <a:stretch>
+            <a:fillRect/>
+          </a:stretch>
+        </p:blipFill>
+        <p:spPr bwMode="auto">
+          <a:xfrm>
+            <a:off x="6156176" y="2924944"/>
+            <a:ext cx="1219200" cy="1219201"/>
+          </a:xfrm>
+          <a:prstGeom prst="rect">
+            <a:avLst/>
+          </a:prstGeom>
+          <a:noFill/>
+        </p:spPr>
+      </p:pic>
+    </p:spTree>
+  </p:cSld>
+  <p:clrMapOvr>
+    <a:masterClrMapping/>
+  </p:clrMapOvr>
+</p:sld>
+</file>
+
+<file path=ppt/slides/slide13.xml><?xml version="1.0" encoding="utf-8"?>
+<p:sld xmlns:a="http://schemas.openxmlformats.org/drawingml/2006/main" xmlns:r="http://schemas.openxmlformats.org/officeDocument/2006/relationships" xmlns:p="http://schemas.openxmlformats.org/presentationml/2006/main">
+  <p:cSld>
+    <p:spTree>
+      <p:nvGrpSpPr>
+        <p:cNvPr id="1" name=""/>
+        <p:cNvGrpSpPr/>
+        <p:nvPr/>
+      </p:nvGrpSpPr>
+      <p:grpSpPr>
+        <a:xfrm>
+          <a:off x="0" y="0"/>
+          <a:ext cx="0" cy="0"/>
+          <a:chOff x="0" y="0"/>
+          <a:chExt cx="0" cy="0"/>
+        </a:xfrm>
+      </p:grpSpPr>
+      <p:sp>
+        <p:nvSpPr>
           <p:cNvPr id="2" name="Titre 1"/>
           <p:cNvSpPr>
             <a:spLocks noGrp="1"/>
@@ -4916,9 +5506,69 @@
         </p:nvSpPr>
         <p:spPr/>
         <p:txBody>
-          <a:bodyPr/>
-          <a:lstStyle/>
-          <a:p>
+          <a:bodyPr>
+            <a:normAutofit fontScale="92500" lnSpcReduction="10000"/>
+          </a:bodyPr>
+          <a:lstStyle/>
+          <a:p>
+            <a:r>
+              <a:rPr lang="fr-FR" dirty="0" smtClean="0"/>
+              <a:t>Public Key Infrastructure</a:t>
+            </a:r>
+          </a:p>
+          <a:p>
+            <a:r>
+              <a:rPr lang="fr-FR" dirty="0" smtClean="0"/>
+              <a:t>Délivre des certificats</a:t>
+            </a:r>
+          </a:p>
+          <a:p>
+            <a:pPr lvl="1"/>
+            <a:r>
+              <a:rPr lang="fr-FR" dirty="0" smtClean="0"/>
+              <a:t>Permettent de chiffrer</a:t>
+            </a:r>
+          </a:p>
+          <a:p>
+            <a:pPr lvl="1"/>
+            <a:r>
+              <a:rPr lang="fr-FR" dirty="0" smtClean="0"/>
+              <a:t>Permettent de signer</a:t>
+            </a:r>
+          </a:p>
+          <a:p>
+            <a:r>
+              <a:rPr lang="fr-FR" dirty="0" smtClean="0"/>
+              <a:t>Offre les garanties d’une méthode d’authentification</a:t>
+            </a:r>
+          </a:p>
+          <a:p>
+            <a:pPr lvl="1"/>
+            <a:r>
+              <a:rPr lang="fr-FR" dirty="0" smtClean="0"/>
+              <a:t>Confidentialité</a:t>
+            </a:r>
+          </a:p>
+          <a:p>
+            <a:pPr lvl="1"/>
+            <a:r>
+              <a:rPr lang="fr-FR" dirty="0" smtClean="0"/>
+              <a:t>Authentification</a:t>
+            </a:r>
+          </a:p>
+          <a:p>
+            <a:pPr lvl="1"/>
+            <a:r>
+              <a:rPr lang="fr-FR" dirty="0" smtClean="0"/>
+              <a:t>Intégrité</a:t>
+            </a:r>
+          </a:p>
+          <a:p>
+            <a:pPr lvl="1"/>
+            <a:r>
+              <a:rPr lang="fr-FR" dirty="0" smtClean="0"/>
+              <a:t>Non-répudiation</a:t>
+            </a:r>
             <a:endParaRPr lang="fr-FR" dirty="0"/>
           </a:p>
         </p:txBody>
@@ -4960,78 +5610,91 @@
         </p:nvSpPr>
         <p:spPr/>
         <p:txBody>
+          <a:bodyPr/>
+          <a:lstStyle/>
+          <a:p>
+            <a:r>
+              <a:rPr lang="fr-FR" dirty="0" smtClean="0"/>
+              <a:t>PKI</a:t>
+            </a:r>
+            <a:endParaRPr lang="fr-FR" dirty="0"/>
+          </a:p>
+        </p:txBody>
+      </p:sp>
+      <p:sp>
+        <p:nvSpPr>
+          <p:cNvPr id="3" name="Espace réservé du contenu 2"/>
+          <p:cNvSpPr>
+            <a:spLocks noGrp="1"/>
+          </p:cNvSpPr>
+          <p:nvPr>
+            <p:ph idx="1"/>
+          </p:nvPr>
+        </p:nvSpPr>
+        <p:spPr/>
+        <p:txBody>
           <a:bodyPr>
-            <a:normAutofit fontScale="90000"/>
+            <a:normAutofit/>
           </a:bodyPr>
           <a:lstStyle/>
           <a:p>
             <a:r>
               <a:rPr lang="fr-FR" dirty="0" smtClean="0"/>
-              <a:t>PKI : Première implémentation</a:t>
-            </a:r>
-            <a:endParaRPr lang="fr-FR" dirty="0"/>
-          </a:p>
-        </p:txBody>
-      </p:sp>
-      <p:pic>
-        <p:nvPicPr>
-          <p:cNvPr id="1026" name="Picture 2"/>
-          <p:cNvPicPr>
-            <a:picLocks noChangeAspect="1" noChangeArrowheads="1"/>
-          </p:cNvPicPr>
-          <p:nvPr/>
-        </p:nvPicPr>
-        <p:blipFill>
-          <a:blip r:embed="rId2" cstate="print"/>
-          <a:srcRect/>
-          <a:stretch>
-            <a:fillRect/>
-          </a:stretch>
-        </p:blipFill>
-        <p:spPr bwMode="auto">
-          <a:xfrm>
-            <a:off x="3131840" y="1628800"/>
-            <a:ext cx="3138428" cy="4697834"/>
-          </a:xfrm>
-          <a:prstGeom prst="rect">
-            <a:avLst/>
-          </a:prstGeom>
-          <a:noFill/>
-          <a:ln w="9525">
-            <a:noFill/>
-            <a:miter lim="800000"/>
-            <a:headEnd/>
-            <a:tailEnd/>
-          </a:ln>
-        </p:spPr>
-      </p:pic>
-      <p:sp>
-        <p:nvSpPr>
-          <p:cNvPr id="5" name="ZoneTexte 4"/>
-          <p:cNvSpPr txBox="1"/>
-          <p:nvPr/>
-        </p:nvSpPr>
-        <p:spPr>
-          <a:xfrm>
-            <a:off x="683568" y="1844824"/>
-            <a:ext cx="2808312" cy="369332"/>
-          </a:xfrm>
-          <a:prstGeom prst="rect">
-            <a:avLst/>
-          </a:prstGeom>
-          <a:noFill/>
-        </p:spPr>
-        <p:txBody>
-          <a:bodyPr wrap="square" rtlCol="0">
-            <a:spAutoFit/>
-          </a:bodyPr>
-          <a:lstStyle/>
-          <a:p>
+              <a:t>Les acteurs d’une PKI</a:t>
+            </a:r>
+          </a:p>
+          <a:p>
+            <a:pPr lvl="1"/>
             <a:r>
               <a:rPr lang="fr-FR" dirty="0" smtClean="0"/>
-              <a:t>Signature d’un texte:</a:t>
-            </a:r>
-            <a:endParaRPr lang="fr-FR" dirty="0"/>
+              <a:t>Le détenteur du certificat</a:t>
+            </a:r>
+          </a:p>
+          <a:p>
+            <a:pPr lvl="1"/>
+            <a:r>
+              <a:rPr lang="fr-FR" dirty="0" smtClean="0"/>
+              <a:t>L’utilisateur du certificat</a:t>
+            </a:r>
+          </a:p>
+          <a:p>
+            <a:pPr lvl="1"/>
+            <a:r>
+              <a:rPr lang="fr-FR" dirty="0" smtClean="0"/>
+              <a:t>L’autorité de certification</a:t>
+            </a:r>
+            <a:endParaRPr lang="fr-FR" dirty="0" smtClean="0"/>
+          </a:p>
+          <a:p>
+            <a:r>
+              <a:rPr lang="fr-FR" dirty="0" smtClean="0"/>
+              <a:t>Fonctions</a:t>
+            </a:r>
+          </a:p>
+          <a:p>
+            <a:pPr lvl="1"/>
+            <a:r>
+              <a:rPr lang="fr-FR" dirty="0" smtClean="0"/>
+              <a:t>Emettre des certificats</a:t>
+            </a:r>
+          </a:p>
+          <a:p>
+            <a:pPr lvl="1"/>
+            <a:r>
+              <a:rPr lang="fr-FR" dirty="0" smtClean="0"/>
+              <a:t>Révoquer / maintenir les certificats</a:t>
+            </a:r>
+          </a:p>
+          <a:p>
+            <a:pPr lvl="1"/>
+            <a:r>
+              <a:rPr lang="fr-FR" dirty="0" smtClean="0"/>
+              <a:t>Publier ces certificats</a:t>
+            </a:r>
+          </a:p>
+          <a:p>
+            <a:pPr lvl="1"/>
+            <a:endParaRPr lang="fr-FR" dirty="0" smtClean="0"/>
           </a:p>
         </p:txBody>
       </p:sp>
@@ -5076,8 +5739,8 @@
           <a:lstStyle/>
           <a:p>
             <a:r>
-              <a:rPr lang="fr-FR" dirty="0" err="1" smtClean="0"/>
-              <a:t>Kerberos</a:t>
+              <a:rPr lang="fr-FR" dirty="0" smtClean="0"/>
+              <a:t>PKI</a:t>
             </a:r>
             <a:endParaRPr lang="fr-FR" dirty="0"/>
           </a:p>
@@ -5098,31 +5761,42 @@
           <a:bodyPr/>
           <a:lstStyle/>
           <a:p>
-            <a:endParaRPr lang="fr-FR" dirty="0" smtClean="0"/>
-          </a:p>
-          <a:p>
             <a:r>
               <a:rPr lang="fr-FR" dirty="0" smtClean="0"/>
-              <a:t>Système d’authentification</a:t>
-            </a:r>
-          </a:p>
-          <a:p>
-            <a:endParaRPr lang="fr-FR" dirty="0" smtClean="0"/>
-          </a:p>
-          <a:p>
-            <a:r>
-              <a:rPr lang="fr-FR" dirty="0" smtClean="0"/>
-              <a:t>Basé sur un système Serveur/Client</a:t>
-            </a:r>
-          </a:p>
-          <a:p>
-            <a:pPr>
-              <a:buNone/>
-            </a:pPr>
+              <a:t>Schéma de fonctionnement</a:t>
+            </a:r>
             <a:endParaRPr lang="fr-FR" dirty="0"/>
           </a:p>
         </p:txBody>
       </p:sp>
+      <p:pic>
+        <p:nvPicPr>
+          <p:cNvPr id="5" name="Image 4"/>
+          <p:cNvPicPr/>
+          <p:nvPr/>
+        </p:nvPicPr>
+        <p:blipFill>
+          <a:blip r:embed="rId2" cstate="print">
+            <a:extLst>
+              <a:ext uri="{28A0092B-C50C-407E-A947-70E740481C1C}">
+                <a14:useLocalDpi xmlns="" xmlns:wpc="http://schemas.microsoft.com/office/word/2010/wordprocessingCanvas" xmlns:mc="http://schemas.openxmlformats.org/markup-compatibility/2006" xmlns:o="urn:schemas-microsoft-com:office:office" xmlns:m="http://schemas.openxmlformats.org/officeDocument/2006/math" xmlns:v="urn:schemas-microsoft-com:vml" xmlns:wp14="http://schemas.microsoft.com/office/word/2010/wordprocessingDrawing" xmlns:wp="http://schemas.openxmlformats.org/drawingml/2006/wordprocessingDrawing" xmlns:w10="urn:schemas-microsoft-com:office:word" xmlns:w="http://schemas.openxmlformats.org/wordprocessingml/2006/main" xmlns:w14="http://schemas.microsoft.com/office/word/2010/wordml" xmlns:wpg="http://schemas.microsoft.com/office/word/2010/wordprocessingGroup" xmlns:wpi="http://schemas.microsoft.com/office/word/2010/wordprocessingInk" xmlns:wne="http://schemas.microsoft.com/office/word/2006/wordml" xmlns:wps="http://schemas.microsoft.com/office/word/2010/wordprocessingShape" xmlns:a14="http://schemas.microsoft.com/office/drawing/2010/main" xmlns:pic="http://schemas.openxmlformats.org/drawingml/2006/picture" xmlns:lc="http://schemas.openxmlformats.org/drawingml/2006/lockedCanvas" val="0"/>
+              </a:ext>
+            </a:extLst>
+          </a:blip>
+          <a:stretch>
+            <a:fillRect/>
+          </a:stretch>
+        </p:blipFill>
+        <p:spPr>
+          <a:xfrm>
+            <a:off x="827584" y="2204864"/>
+            <a:ext cx="7416824" cy="3888432"/>
+          </a:xfrm>
+          <a:prstGeom prst="rect">
+            <a:avLst/>
+          </a:prstGeom>
+        </p:spPr>
+      </p:pic>
     </p:spTree>
   </p:cSld>
   <p:clrMapOvr>
@@ -5160,16 +5834,14 @@
         </p:nvSpPr>
         <p:spPr/>
         <p:txBody>
-          <a:bodyPr/>
-          <a:lstStyle/>
-          <a:p>
-            <a:r>
-              <a:rPr lang="fr-FR" dirty="0" err="1" smtClean="0"/>
-              <a:t>Kerberos</a:t>
-            </a:r>
+          <a:bodyPr>
+            <a:normAutofit fontScale="90000"/>
+          </a:bodyPr>
+          <a:lstStyle/>
+          <a:p>
             <a:r>
               <a:rPr lang="fr-FR" dirty="0" smtClean="0"/>
-              <a:t> : exemple</a:t>
+              <a:t>PKI : Première implémentation</a:t>
             </a:r>
             <a:endParaRPr lang="fr-FR" dirty="0"/>
           </a:p>
@@ -5177,7 +5849,7 @@
       </p:sp>
       <p:pic>
         <p:nvPicPr>
-          <p:cNvPr id="1027" name="Picture 3" descr="C:\Users\William\Desktop\client.png"/>
+          <p:cNvPr id="1026" name="Picture 2"/>
           <p:cNvPicPr>
             <a:picLocks noChangeAspect="1" noChangeArrowheads="1"/>
           </p:cNvPicPr>
@@ -5192,65 +5864,31 @@
         </p:blipFill>
         <p:spPr bwMode="auto">
           <a:xfrm>
-            <a:off x="1187624" y="2204864"/>
-            <a:ext cx="1596348" cy="2568402"/>
+            <a:off x="3131840" y="1628800"/>
+            <a:ext cx="3138428" cy="4697834"/>
           </a:xfrm>
           <a:prstGeom prst="rect">
             <a:avLst/>
           </a:prstGeom>
           <a:noFill/>
+          <a:ln w="9525">
+            <a:noFill/>
+            <a:miter lim="800000"/>
+            <a:headEnd/>
+            <a:tailEnd/>
+          </a:ln>
         </p:spPr>
       </p:pic>
       <p:sp>
         <p:nvSpPr>
-          <p:cNvPr id="8" name="Flèche droite 7"/>
-          <p:cNvSpPr/>
-          <p:nvPr/>
-        </p:nvSpPr>
-        <p:spPr>
-          <a:xfrm>
-            <a:off x="3275856" y="3284984"/>
-            <a:ext cx="2520280" cy="648072"/>
-          </a:xfrm>
-          <a:prstGeom prst="rightArrow">
-            <a:avLst/>
-          </a:prstGeom>
-        </p:spPr>
-        <p:style>
-          <a:lnRef idx="2">
-            <a:schemeClr val="accent1">
-              <a:shade val="50000"/>
-            </a:schemeClr>
-          </a:lnRef>
-          <a:fillRef idx="1">
-            <a:schemeClr val="accent1"/>
-          </a:fillRef>
-          <a:effectRef idx="0">
-            <a:schemeClr val="accent1"/>
-          </a:effectRef>
-          <a:fontRef idx="minor">
-            <a:schemeClr val="lt1"/>
-          </a:fontRef>
-        </p:style>
-        <p:txBody>
-          <a:bodyPr rtlCol="0" anchor="ctr"/>
-          <a:lstStyle/>
-          <a:p>
-            <a:pPr algn="ctr"/>
-            <a:endParaRPr lang="fr-FR"/>
-          </a:p>
-        </p:txBody>
-      </p:sp>
-      <p:sp>
-        <p:nvSpPr>
-          <p:cNvPr id="9" name="ZoneTexte 8"/>
+          <p:cNvPr id="5" name="ZoneTexte 4"/>
           <p:cNvSpPr txBox="1"/>
           <p:nvPr/>
         </p:nvSpPr>
         <p:spPr>
           <a:xfrm>
-            <a:off x="3347864" y="2996952"/>
-            <a:ext cx="2880320" cy="369332"/>
+            <a:off x="683568" y="1844824"/>
+            <a:ext cx="2808312" cy="369332"/>
           </a:xfrm>
           <a:prstGeom prst="rect">
             <a:avLst/>
@@ -5265,68 +5903,12 @@
           <a:p>
             <a:r>
               <a:rPr lang="fr-FR" dirty="0" smtClean="0"/>
-              <a:t>Veut accéder à</a:t>
+              <a:t>Signature d’un texte:</a:t>
             </a:r>
             <a:endParaRPr lang="fr-FR" dirty="0"/>
           </a:p>
         </p:txBody>
       </p:sp>
-      <p:sp>
-        <p:nvSpPr>
-          <p:cNvPr id="10" name="ZoneTexte 9"/>
-          <p:cNvSpPr txBox="1"/>
-          <p:nvPr/>
-        </p:nvSpPr>
-        <p:spPr>
-          <a:xfrm>
-            <a:off x="6516216" y="4221088"/>
-            <a:ext cx="1296144" cy="369332"/>
-          </a:xfrm>
-          <a:prstGeom prst="rect">
-            <a:avLst/>
-          </a:prstGeom>
-          <a:noFill/>
-        </p:spPr>
-        <p:txBody>
-          <a:bodyPr wrap="square" rtlCol="0">
-            <a:spAutoFit/>
-          </a:bodyPr>
-          <a:lstStyle/>
-          <a:p>
-            <a:r>
-              <a:rPr lang="fr-FR" dirty="0" smtClean="0"/>
-              <a:t>Un service</a:t>
-            </a:r>
-            <a:endParaRPr lang="fr-FR" dirty="0"/>
-          </a:p>
-        </p:txBody>
-      </p:sp>
-      <p:pic>
-        <p:nvPicPr>
-          <p:cNvPr id="7170" name="Picture 2" descr="http://www.veryicon.com/icon/png/Hardware/Servers%20Icons/Web%20server.png"/>
-          <p:cNvPicPr>
-            <a:picLocks noChangeAspect="1" noChangeArrowheads="1"/>
-          </p:cNvPicPr>
-          <p:nvPr/>
-        </p:nvPicPr>
-        <p:blipFill>
-          <a:blip r:embed="rId3" cstate="print"/>
-          <a:srcRect/>
-          <a:stretch>
-            <a:fillRect/>
-          </a:stretch>
-        </p:blipFill>
-        <p:spPr bwMode="auto">
-          <a:xfrm>
-            <a:off x="6372200" y="2852936"/>
-            <a:ext cx="1219200" cy="1219201"/>
-          </a:xfrm>
-          <a:prstGeom prst="rect">
-            <a:avLst/>
-          </a:prstGeom>
-          <a:noFill/>
-        </p:spPr>
-      </p:pic>
     </p:spTree>
   </p:cSld>
   <p:clrMapOvr>
@@ -5371,162 +5953,46 @@
               <a:rPr lang="fr-FR" dirty="0" err="1" smtClean="0"/>
               <a:t>Kerberos</a:t>
             </a:r>
+            <a:endParaRPr lang="fr-FR" dirty="0"/>
+          </a:p>
+        </p:txBody>
+      </p:sp>
+      <p:sp>
+        <p:nvSpPr>
+          <p:cNvPr id="3" name="Espace réservé du contenu 2"/>
+          <p:cNvSpPr>
+            <a:spLocks noGrp="1"/>
+          </p:cNvSpPr>
+          <p:nvPr>
+            <p:ph idx="1"/>
+          </p:nvPr>
+        </p:nvSpPr>
+        <p:spPr/>
+        <p:txBody>
+          <a:bodyPr/>
+          <a:lstStyle/>
+          <a:p>
+            <a:endParaRPr lang="fr-FR" dirty="0" smtClean="0"/>
+          </a:p>
+          <a:p>
             <a:r>
               <a:rPr lang="fr-FR" dirty="0" smtClean="0"/>
-              <a:t> : exemple</a:t>
-            </a:r>
-            <a:endParaRPr lang="fr-FR" dirty="0"/>
-          </a:p>
-        </p:txBody>
-      </p:sp>
-      <p:pic>
-        <p:nvPicPr>
-          <p:cNvPr id="1027" name="Picture 3" descr="C:\Users\William\Desktop\client.png"/>
-          <p:cNvPicPr>
-            <a:picLocks noChangeAspect="1" noChangeArrowheads="1"/>
-          </p:cNvPicPr>
-          <p:nvPr/>
-        </p:nvPicPr>
-        <p:blipFill>
-          <a:blip r:embed="rId2" cstate="print"/>
-          <a:srcRect/>
-          <a:stretch>
-            <a:fillRect/>
-          </a:stretch>
-        </p:blipFill>
-        <p:spPr bwMode="auto">
-          <a:xfrm>
-            <a:off x="1187624" y="2204864"/>
-            <a:ext cx="1596348" cy="2568402"/>
-          </a:xfrm>
-          <a:prstGeom prst="rect">
-            <a:avLst/>
-          </a:prstGeom>
-          <a:noFill/>
-        </p:spPr>
-      </p:pic>
-      <p:pic>
-        <p:nvPicPr>
-          <p:cNvPr id="1028" name="Picture 4" descr="C:\Users\William\Desktop\serveur.png"/>
-          <p:cNvPicPr>
-            <a:picLocks noChangeAspect="1" noChangeArrowheads="1"/>
-          </p:cNvPicPr>
-          <p:nvPr/>
-        </p:nvPicPr>
-        <p:blipFill>
-          <a:blip r:embed="rId3" cstate="print"/>
-          <a:srcRect/>
-          <a:stretch>
-            <a:fillRect/>
-          </a:stretch>
-        </p:blipFill>
-        <p:spPr bwMode="auto">
-          <a:xfrm>
-            <a:off x="6444208" y="2420888"/>
-            <a:ext cx="1305290" cy="2042741"/>
-          </a:xfrm>
-          <a:prstGeom prst="rect">
-            <a:avLst/>
-          </a:prstGeom>
-          <a:noFill/>
-        </p:spPr>
-      </p:pic>
-      <p:sp>
-        <p:nvSpPr>
-          <p:cNvPr id="8" name="Flèche droite 7"/>
-          <p:cNvSpPr/>
-          <p:nvPr/>
-        </p:nvSpPr>
-        <p:spPr>
-          <a:xfrm>
-            <a:off x="3275856" y="3284984"/>
-            <a:ext cx="2520280" cy="648072"/>
-          </a:xfrm>
-          <a:prstGeom prst="rightArrow">
-            <a:avLst/>
-          </a:prstGeom>
-        </p:spPr>
-        <p:style>
-          <a:lnRef idx="2">
-            <a:schemeClr val="accent1">
-              <a:shade val="50000"/>
-            </a:schemeClr>
-          </a:lnRef>
-          <a:fillRef idx="1">
-            <a:schemeClr val="accent1"/>
-          </a:fillRef>
-          <a:effectRef idx="0">
-            <a:schemeClr val="accent1"/>
-          </a:effectRef>
-          <a:fontRef idx="minor">
-            <a:schemeClr val="lt1"/>
-          </a:fontRef>
-        </p:style>
-        <p:txBody>
-          <a:bodyPr rtlCol="0" anchor="ctr"/>
-          <a:lstStyle/>
-          <a:p>
-            <a:pPr algn="ctr"/>
-            <a:endParaRPr lang="fr-FR"/>
-          </a:p>
-        </p:txBody>
-      </p:sp>
-      <p:sp>
-        <p:nvSpPr>
-          <p:cNvPr id="9" name="ZoneTexte 8"/>
-          <p:cNvSpPr txBox="1"/>
-          <p:nvPr/>
-        </p:nvSpPr>
-        <p:spPr>
-          <a:xfrm>
-            <a:off x="3203848" y="3068960"/>
-            <a:ext cx="2880320" cy="369332"/>
-          </a:xfrm>
-          <a:prstGeom prst="rect">
-            <a:avLst/>
-          </a:prstGeom>
-          <a:noFill/>
-        </p:spPr>
-        <p:txBody>
-          <a:bodyPr wrap="square" rtlCol="0">
-            <a:spAutoFit/>
-          </a:bodyPr>
-          <a:lstStyle/>
+              <a:t>Système d’authentification</a:t>
+            </a:r>
+          </a:p>
+          <a:p>
+            <a:endParaRPr lang="fr-FR" dirty="0" smtClean="0"/>
+          </a:p>
           <a:p>
             <a:r>
               <a:rPr lang="fr-FR" dirty="0" smtClean="0"/>
-              <a:t>Identifiant Utilisateur</a:t>
-            </a:r>
-            <a:endParaRPr lang="fr-FR" dirty="0"/>
-          </a:p>
-        </p:txBody>
-      </p:sp>
-      <p:sp>
-        <p:nvSpPr>
-          <p:cNvPr id="10" name="ZoneTexte 9"/>
-          <p:cNvSpPr txBox="1"/>
-          <p:nvPr/>
-        </p:nvSpPr>
-        <p:spPr>
-          <a:xfrm>
-            <a:off x="5652120" y="4509120"/>
-            <a:ext cx="3275856" cy="369332"/>
-          </a:xfrm>
-          <a:prstGeom prst="rect">
-            <a:avLst/>
-          </a:prstGeom>
-          <a:noFill/>
-        </p:spPr>
-        <p:txBody>
-          <a:bodyPr wrap="square" rtlCol="0">
-            <a:spAutoFit/>
-          </a:bodyPr>
-          <a:lstStyle/>
-          <a:p>
-            <a:r>
-              <a:rPr lang="fr-FR" dirty="0" smtClean="0"/>
-              <a:t>Authentification Server (AS)</a:t>
-            </a:r>
+              <a:t>Basé sur un système Serveur/Client</a:t>
+            </a:r>
+          </a:p>
+          <a:p>
+            <a:pPr>
+              <a:buNone/>
+            </a:pPr>
             <a:endParaRPr lang="fr-FR" dirty="0"/>
           </a:p>
         </p:txBody>
@@ -5575,13 +6041,17 @@
               <a:rPr lang="fr-FR" dirty="0" err="1" smtClean="0"/>
               <a:t>Kerberos</a:t>
             </a:r>
+            <a:r>
+              <a:rPr lang="fr-FR" dirty="0" smtClean="0"/>
+              <a:t> : exemple</a:t>
+            </a:r>
             <a:endParaRPr lang="fr-FR" dirty="0"/>
           </a:p>
         </p:txBody>
       </p:sp>
       <p:pic>
         <p:nvPicPr>
-          <p:cNvPr id="6" name="Picture 3" descr="C:\Users\William\Desktop\client.png"/>
+          <p:cNvPr id="1027" name="Picture 3" descr="C:\Users\William\Desktop\client.png"/>
           <p:cNvPicPr>
             <a:picLocks noChangeAspect="1" noChangeArrowheads="1"/>
           </p:cNvPicPr>
@@ -5605,32 +6075,6 @@
           <a:noFill/>
         </p:spPr>
       </p:pic>
-      <p:pic>
-        <p:nvPicPr>
-          <p:cNvPr id="7" name="Picture 4" descr="C:\Users\William\Desktop\serveur.png"/>
-          <p:cNvPicPr>
-            <a:picLocks noChangeAspect="1" noChangeArrowheads="1"/>
-          </p:cNvPicPr>
-          <p:nvPr/>
-        </p:nvPicPr>
-        <p:blipFill>
-          <a:blip r:embed="rId3" cstate="print"/>
-          <a:srcRect/>
-          <a:stretch>
-            <a:fillRect/>
-          </a:stretch>
-        </p:blipFill>
-        <p:spPr bwMode="auto">
-          <a:xfrm>
-            <a:off x="6444208" y="2420888"/>
-            <a:ext cx="1305290" cy="2042741"/>
-          </a:xfrm>
-          <a:prstGeom prst="rect">
-            <a:avLst/>
-          </a:prstGeom>
-          <a:noFill/>
-        </p:spPr>
-      </p:pic>
       <p:sp>
         <p:nvSpPr>
           <p:cNvPr id="8" name="Flèche droite 7"/>
@@ -5638,15 +6082,12 @@
           <p:nvPr/>
         </p:nvSpPr>
         <p:spPr>
-          <a:xfrm flipH="1">
-            <a:off x="3203848" y="3284984"/>
+          <a:xfrm>
+            <a:off x="3275856" y="3284984"/>
             <a:ext cx="2520280" cy="648072"/>
           </a:xfrm>
           <a:prstGeom prst="rightArrow">
-            <a:avLst>
-              <a:gd name="adj1" fmla="val 51899"/>
-              <a:gd name="adj2" fmla="val 50000"/>
-            </a:avLst>
+            <a:avLst/>
           </a:prstGeom>
         </p:spPr>
         <p:style>
@@ -5676,14 +6117,14 @@
       </p:sp>
       <p:sp>
         <p:nvSpPr>
-          <p:cNvPr id="10" name="ZoneTexte 9"/>
+          <p:cNvPr id="9" name="ZoneTexte 8"/>
           <p:cNvSpPr txBox="1"/>
           <p:nvPr/>
         </p:nvSpPr>
         <p:spPr>
           <a:xfrm>
-            <a:off x="5652120" y="4509120"/>
-            <a:ext cx="3275856" cy="369332"/>
+            <a:off x="3347864" y="2996952"/>
+            <a:ext cx="2880320" cy="369332"/>
           </a:xfrm>
           <a:prstGeom prst="rect">
             <a:avLst/>
@@ -5698,7 +6139,37 @@
           <a:p>
             <a:r>
               <a:rPr lang="fr-FR" dirty="0" smtClean="0"/>
-              <a:t>Authentification Server (AS)</a:t>
+              <a:t>Veut accéder à</a:t>
+            </a:r>
+            <a:endParaRPr lang="fr-FR" dirty="0"/>
+          </a:p>
+        </p:txBody>
+      </p:sp>
+      <p:sp>
+        <p:nvSpPr>
+          <p:cNvPr id="10" name="ZoneTexte 9"/>
+          <p:cNvSpPr txBox="1"/>
+          <p:nvPr/>
+        </p:nvSpPr>
+        <p:spPr>
+          <a:xfrm>
+            <a:off x="6516216" y="4221088"/>
+            <a:ext cx="1296144" cy="369332"/>
+          </a:xfrm>
+          <a:prstGeom prst="rect">
+            <a:avLst/>
+          </a:prstGeom>
+          <a:noFill/>
+        </p:spPr>
+        <p:txBody>
+          <a:bodyPr wrap="square" rtlCol="0">
+            <a:spAutoFit/>
+          </a:bodyPr>
+          <a:lstStyle/>
+          <a:p>
+            <a:r>
+              <a:rPr lang="fr-FR" dirty="0" smtClean="0"/>
+              <a:t>Un service</a:t>
             </a:r>
             <a:endParaRPr lang="fr-FR" dirty="0"/>
           </a:p>
@@ -5706,14 +6177,14 @@
       </p:sp>
       <p:pic>
         <p:nvPicPr>
-          <p:cNvPr id="2052" name="Picture 4" descr="C:\Users\William\Desktop\enveloppe.png"/>
+          <p:cNvPr id="7170" name="Picture 2" descr="http://www.veryicon.com/icon/png/Hardware/Servers%20Icons/Web%20server.png"/>
           <p:cNvPicPr>
             <a:picLocks noChangeAspect="1" noChangeArrowheads="1"/>
           </p:cNvPicPr>
           <p:nvPr/>
         </p:nvPicPr>
         <p:blipFill>
-          <a:blip r:embed="rId4" cstate="print"/>
+          <a:blip r:embed="rId3" cstate="print"/>
           <a:srcRect/>
           <a:stretch>
             <a:fillRect/>
@@ -5721,8 +6192,8 @@
         </p:blipFill>
         <p:spPr bwMode="auto">
           <a:xfrm>
-            <a:off x="4499992" y="3789040"/>
-            <a:ext cx="518294" cy="518294"/>
+            <a:off x="6372200" y="2852936"/>
+            <a:ext cx="1219200" cy="1219201"/>
           </a:xfrm>
           <a:prstGeom prst="rect">
             <a:avLst/>
@@ -5730,44 +6201,6 @@
           <a:noFill/>
         </p:spPr>
       </p:pic>
-      <p:sp>
-        <p:nvSpPr>
-          <p:cNvPr id="12" name="ZoneTexte 11"/>
-          <p:cNvSpPr txBox="1"/>
-          <p:nvPr/>
-        </p:nvSpPr>
-        <p:spPr>
-          <a:xfrm>
-            <a:off x="3059832" y="2924944"/>
-            <a:ext cx="3168352" cy="369332"/>
-          </a:xfrm>
-          <a:prstGeom prst="rect">
-            <a:avLst/>
-          </a:prstGeom>
-          <a:noFill/>
-        </p:spPr>
-        <p:txBody>
-          <a:bodyPr wrap="square" rtlCol="0">
-            <a:spAutoFit/>
-          </a:bodyPr>
-          <a:lstStyle/>
-          <a:p>
-            <a:r>
-              <a:rPr lang="fr-FR" dirty="0" smtClean="0"/>
-              <a:t>Ticket-</a:t>
-            </a:r>
-            <a:r>
-              <a:rPr lang="fr-FR" dirty="0" err="1" smtClean="0"/>
-              <a:t>Granting</a:t>
-            </a:r>
-            <a:r>
-              <a:rPr lang="fr-FR" dirty="0" smtClean="0"/>
-              <a:t> Ticket (TGT)</a:t>
-            </a:r>
-            <a:endParaRPr lang="fr-FR" dirty="0"/>
-          </a:p>
-        </p:txBody>
-      </p:sp>
     </p:spTree>
   </p:cSld>
   <p:clrMapOvr>
@@ -5812,13 +6245,17 @@
               <a:rPr lang="fr-FR" dirty="0" err="1" smtClean="0"/>
               <a:t>Kerberos</a:t>
             </a:r>
+            <a:r>
+              <a:rPr lang="fr-FR" dirty="0" smtClean="0"/>
+              <a:t> : exemple</a:t>
+            </a:r>
             <a:endParaRPr lang="fr-FR" dirty="0"/>
           </a:p>
         </p:txBody>
       </p:sp>
       <p:pic>
         <p:nvPicPr>
-          <p:cNvPr id="4" name="Picture 3" descr="C:\Users\William\Desktop\client.png"/>
+          <p:cNvPr id="1027" name="Picture 3" descr="C:\Users\William\Desktop\client.png"/>
           <p:cNvPicPr>
             <a:picLocks noChangeAspect="1" noChangeArrowheads="1"/>
           </p:cNvPicPr>
@@ -5844,7 +6281,7 @@
       </p:pic>
       <p:pic>
         <p:nvPicPr>
-          <p:cNvPr id="5" name="Picture 4" descr="C:\Users\William\Desktop\serveur.png"/>
+          <p:cNvPr id="1028" name="Picture 4" descr="C:\Users\William\Desktop\serveur.png"/>
           <p:cNvPicPr>
             <a:picLocks noChangeAspect="1" noChangeArrowheads="1"/>
           </p:cNvPicPr>
@@ -5859,8 +6296,8 @@
         </p:blipFill>
         <p:spPr bwMode="auto">
           <a:xfrm>
-            <a:off x="7092280" y="332656"/>
-            <a:ext cx="707129" cy="1106637"/>
+            <a:off x="6444208" y="2420888"/>
+            <a:ext cx="1305290" cy="2042741"/>
           </a:xfrm>
           <a:prstGeom prst="rect">
             <a:avLst/>
@@ -5870,7 +6307,7 @@
       </p:pic>
       <p:sp>
         <p:nvSpPr>
-          <p:cNvPr id="6" name="Flèche droite 5"/>
+          <p:cNvPr id="8" name="Flèche droite 7"/>
           <p:cNvSpPr/>
           <p:nvPr/>
         </p:nvSpPr>
@@ -5910,13 +6347,13 @@
       </p:sp>
       <p:sp>
         <p:nvSpPr>
-          <p:cNvPr id="7" name="ZoneTexte 6"/>
+          <p:cNvPr id="9" name="ZoneTexte 8"/>
           <p:cNvSpPr txBox="1"/>
           <p:nvPr/>
         </p:nvSpPr>
         <p:spPr>
           <a:xfrm>
-            <a:off x="3851920" y="3068960"/>
+            <a:off x="3203848" y="3068960"/>
             <a:ext cx="2880320" cy="369332"/>
           </a:xfrm>
           <a:prstGeom prst="rect">
@@ -5932,7 +6369,7 @@
           <a:p>
             <a:r>
               <a:rPr lang="fr-FR" dirty="0" smtClean="0"/>
-              <a:t>TGT</a:t>
+              <a:t>Identifiant Utilisateur</a:t>
             </a:r>
             <a:endParaRPr lang="fr-FR" dirty="0"/>
           </a:p>
@@ -5940,13 +6377,13 @@
       </p:sp>
       <p:sp>
         <p:nvSpPr>
-          <p:cNvPr id="8" name="ZoneTexte 7"/>
+          <p:cNvPr id="10" name="ZoneTexte 9"/>
           <p:cNvSpPr txBox="1"/>
           <p:nvPr/>
         </p:nvSpPr>
         <p:spPr>
           <a:xfrm>
-            <a:off x="4211960" y="692696"/>
+            <a:off x="5652120" y="4509120"/>
             <a:ext cx="3275856" cy="369332"/>
           </a:xfrm>
           <a:prstGeom prst="rect">
@@ -5968,96 +6405,6 @@
           </a:p>
         </p:txBody>
       </p:sp>
-      <p:pic>
-        <p:nvPicPr>
-          <p:cNvPr id="9" name="Picture 4" descr="C:\Users\William\Desktop\serveur.png"/>
-          <p:cNvPicPr>
-            <a:picLocks noChangeAspect="1" noChangeArrowheads="1"/>
-          </p:cNvPicPr>
-          <p:nvPr/>
-        </p:nvPicPr>
-        <p:blipFill>
-          <a:blip r:embed="rId4" cstate="print"/>
-          <a:srcRect/>
-          <a:stretch>
-            <a:fillRect/>
-          </a:stretch>
-        </p:blipFill>
-        <p:spPr bwMode="auto">
-          <a:xfrm>
-            <a:off x="6228184" y="2492896"/>
-            <a:ext cx="1305290" cy="2042741"/>
-          </a:xfrm>
-          <a:prstGeom prst="rect">
-            <a:avLst/>
-          </a:prstGeom>
-          <a:noFill/>
-        </p:spPr>
-      </p:pic>
-      <p:sp>
-        <p:nvSpPr>
-          <p:cNvPr id="11" name="ZoneTexte 10"/>
-          <p:cNvSpPr txBox="1"/>
-          <p:nvPr/>
-        </p:nvSpPr>
-        <p:spPr>
-          <a:xfrm>
-            <a:off x="5436096" y="4653136"/>
-            <a:ext cx="3275856" cy="369332"/>
-          </a:xfrm>
-          <a:prstGeom prst="rect">
-            <a:avLst/>
-          </a:prstGeom>
-          <a:noFill/>
-        </p:spPr>
-        <p:txBody>
-          <a:bodyPr wrap="square" rtlCol="0">
-            <a:spAutoFit/>
-          </a:bodyPr>
-          <a:lstStyle/>
-          <a:p>
-            <a:r>
-              <a:rPr lang="fr-FR" dirty="0" smtClean="0"/>
-              <a:t>Ticket-</a:t>
-            </a:r>
-            <a:r>
-              <a:rPr lang="fr-FR" dirty="0" err="1" smtClean="0"/>
-              <a:t>Granting</a:t>
-            </a:r>
-            <a:r>
-              <a:rPr lang="fr-FR" dirty="0" smtClean="0"/>
-              <a:t> Server (TGS)</a:t>
-            </a:r>
-            <a:endParaRPr lang="fr-FR" dirty="0"/>
-          </a:p>
-        </p:txBody>
-      </p:sp>
-      <p:pic>
-        <p:nvPicPr>
-          <p:cNvPr id="3074" name="Picture 2" descr="C:\Users\William\Desktop\enveloppe.png"/>
-          <p:cNvPicPr>
-            <a:picLocks noChangeAspect="1" noChangeArrowheads="1"/>
-          </p:cNvPicPr>
-          <p:nvPr/>
-        </p:nvPicPr>
-        <p:blipFill>
-          <a:blip r:embed="rId5" cstate="print"/>
-          <a:srcRect/>
-          <a:stretch>
-            <a:fillRect/>
-          </a:stretch>
-        </p:blipFill>
-        <p:spPr bwMode="auto">
-          <a:xfrm>
-            <a:off x="3419872" y="2996952"/>
-            <a:ext cx="429196" cy="429196"/>
-          </a:xfrm>
-          <a:prstGeom prst="rect">
-            <a:avLst/>
-          </a:prstGeom>
-          <a:noFill/>
-        </p:spPr>
-      </p:pic>
     </p:spTree>
   </p:cSld>
   <p:clrMapOvr>
@@ -6085,7 +6432,7 @@
       </p:grpSpPr>
       <p:sp>
         <p:nvSpPr>
-          <p:cNvPr id="13" name="Titre 1"/>
+          <p:cNvPr id="2" name="Titre 1"/>
           <p:cNvSpPr>
             <a:spLocks noGrp="1"/>
           </p:cNvSpPr>
@@ -6093,12 +6440,7 @@
             <p:ph type="title"/>
           </p:nvPr>
         </p:nvSpPr>
-        <p:spPr>
-          <a:xfrm>
-            <a:off x="457200" y="274638"/>
-            <a:ext cx="7467600" cy="1143000"/>
-          </a:xfrm>
-        </p:spPr>
+        <p:spPr/>
         <p:txBody>
           <a:bodyPr/>
           <a:lstStyle/>
@@ -6113,7 +6455,7 @@
       </p:sp>
       <p:pic>
         <p:nvPicPr>
-          <p:cNvPr id="14" name="Picture 3" descr="C:\Users\William\Desktop\client.png"/>
+          <p:cNvPr id="6" name="Picture 3" descr="C:\Users\William\Desktop\client.png"/>
           <p:cNvPicPr>
             <a:picLocks noChangeAspect="1" noChangeArrowheads="1"/>
           </p:cNvPicPr>
@@ -6139,7 +6481,7 @@
       </p:pic>
       <p:pic>
         <p:nvPicPr>
-          <p:cNvPr id="15" name="Picture 4" descr="C:\Users\William\Desktop\serveur.png"/>
+          <p:cNvPr id="7" name="Picture 4" descr="C:\Users\William\Desktop\serveur.png"/>
           <p:cNvPicPr>
             <a:picLocks noChangeAspect="1" noChangeArrowheads="1"/>
           </p:cNvPicPr>
@@ -6154,8 +6496,8 @@
         </p:blipFill>
         <p:spPr bwMode="auto">
           <a:xfrm>
-            <a:off x="7092280" y="332656"/>
-            <a:ext cx="707129" cy="1106637"/>
+            <a:off x="6444208" y="2420888"/>
+            <a:ext cx="1305290" cy="2042741"/>
           </a:xfrm>
           <a:prstGeom prst="rect">
             <a:avLst/>
@@ -6165,131 +6507,7 @@
       </p:pic>
       <p:sp>
         <p:nvSpPr>
-          <p:cNvPr id="17" name="ZoneTexte 16"/>
-          <p:cNvSpPr txBox="1"/>
-          <p:nvPr/>
-        </p:nvSpPr>
-        <p:spPr>
-          <a:xfrm>
-            <a:off x="4139952" y="3068960"/>
-            <a:ext cx="2880320" cy="369332"/>
-          </a:xfrm>
-          <a:prstGeom prst="rect">
-            <a:avLst/>
-          </a:prstGeom>
-          <a:noFill/>
-        </p:spPr>
-        <p:txBody>
-          <a:bodyPr wrap="square" rtlCol="0">
-            <a:spAutoFit/>
-          </a:bodyPr>
-          <a:lstStyle/>
-          <a:p>
-            <a:r>
-              <a:rPr lang="fr-FR" dirty="0" smtClean="0"/>
-              <a:t>Clé encryptée</a:t>
-            </a:r>
-            <a:endParaRPr lang="fr-FR" dirty="0"/>
-          </a:p>
-        </p:txBody>
-      </p:sp>
-      <p:sp>
-        <p:nvSpPr>
-          <p:cNvPr id="18" name="ZoneTexte 17"/>
-          <p:cNvSpPr txBox="1"/>
-          <p:nvPr/>
-        </p:nvSpPr>
-        <p:spPr>
-          <a:xfrm>
-            <a:off x="4211960" y="692696"/>
-            <a:ext cx="3275856" cy="369332"/>
-          </a:xfrm>
-          <a:prstGeom prst="rect">
-            <a:avLst/>
-          </a:prstGeom>
-          <a:noFill/>
-        </p:spPr>
-        <p:txBody>
-          <a:bodyPr wrap="square" rtlCol="0">
-            <a:spAutoFit/>
-          </a:bodyPr>
-          <a:lstStyle/>
-          <a:p>
-            <a:r>
-              <a:rPr lang="fr-FR" dirty="0" smtClean="0"/>
-              <a:t>Authentification Server (AS)</a:t>
-            </a:r>
-            <a:endParaRPr lang="fr-FR" dirty="0"/>
-          </a:p>
-        </p:txBody>
-      </p:sp>
-      <p:pic>
-        <p:nvPicPr>
-          <p:cNvPr id="19" name="Picture 4" descr="C:\Users\William\Desktop\serveur.png"/>
-          <p:cNvPicPr>
-            <a:picLocks noChangeAspect="1" noChangeArrowheads="1"/>
-          </p:cNvPicPr>
-          <p:nvPr/>
-        </p:nvPicPr>
-        <p:blipFill>
-          <a:blip r:embed="rId4" cstate="print"/>
-          <a:srcRect/>
-          <a:stretch>
-            <a:fillRect/>
-          </a:stretch>
-        </p:blipFill>
-        <p:spPr bwMode="auto">
-          <a:xfrm>
-            <a:off x="6228184" y="2492896"/>
-            <a:ext cx="1305290" cy="2042741"/>
-          </a:xfrm>
-          <a:prstGeom prst="rect">
-            <a:avLst/>
-          </a:prstGeom>
-          <a:noFill/>
-        </p:spPr>
-      </p:pic>
-      <p:sp>
-        <p:nvSpPr>
-          <p:cNvPr id="20" name="ZoneTexte 19"/>
-          <p:cNvSpPr txBox="1"/>
-          <p:nvPr/>
-        </p:nvSpPr>
-        <p:spPr>
-          <a:xfrm>
-            <a:off x="5436096" y="4653136"/>
-            <a:ext cx="3275856" cy="369332"/>
-          </a:xfrm>
-          <a:prstGeom prst="rect">
-            <a:avLst/>
-          </a:prstGeom>
-          <a:noFill/>
-        </p:spPr>
-        <p:txBody>
-          <a:bodyPr wrap="square" rtlCol="0">
-            <a:spAutoFit/>
-          </a:bodyPr>
-          <a:lstStyle/>
-          <a:p>
-            <a:r>
-              <a:rPr lang="fr-FR" dirty="0" smtClean="0"/>
-              <a:t>Ticket-</a:t>
-            </a:r>
-            <a:r>
-              <a:rPr lang="fr-FR" dirty="0" err="1" smtClean="0"/>
-              <a:t>Granting</a:t>
-            </a:r>
-            <a:r>
-              <a:rPr lang="fr-FR" dirty="0" smtClean="0"/>
-              <a:t> Server (TGS)</a:t>
-            </a:r>
-            <a:endParaRPr lang="fr-FR" dirty="0"/>
-          </a:p>
-        </p:txBody>
-      </p:sp>
-      <p:sp>
-        <p:nvSpPr>
-          <p:cNvPr id="22" name="Flèche droite 21"/>
+          <p:cNvPr id="8" name="Flèche droite 7"/>
           <p:cNvSpPr/>
           <p:nvPr/>
         </p:nvSpPr>
@@ -6330,16 +6548,46 @@
           </a:p>
         </p:txBody>
       </p:sp>
+      <p:sp>
+        <p:nvSpPr>
+          <p:cNvPr id="10" name="ZoneTexte 9"/>
+          <p:cNvSpPr txBox="1"/>
+          <p:nvPr/>
+        </p:nvSpPr>
+        <p:spPr>
+          <a:xfrm>
+            <a:off x="5652120" y="4509120"/>
+            <a:ext cx="3275856" cy="369332"/>
+          </a:xfrm>
+          <a:prstGeom prst="rect">
+            <a:avLst/>
+          </a:prstGeom>
+          <a:noFill/>
+        </p:spPr>
+        <p:txBody>
+          <a:bodyPr wrap="square" rtlCol="0">
+            <a:spAutoFit/>
+          </a:bodyPr>
+          <a:lstStyle/>
+          <a:p>
+            <a:r>
+              <a:rPr lang="fr-FR" dirty="0" smtClean="0"/>
+              <a:t>Authentification Server (AS)</a:t>
+            </a:r>
+            <a:endParaRPr lang="fr-FR" dirty="0"/>
+          </a:p>
+        </p:txBody>
+      </p:sp>
       <p:pic>
         <p:nvPicPr>
-          <p:cNvPr id="4098" name="Picture 2" descr="C:\Users\William\Desktop\barretr_Key.png"/>
+          <p:cNvPr id="2052" name="Picture 4" descr="C:\Users\William\Desktop\enveloppe.png"/>
           <p:cNvPicPr>
             <a:picLocks noChangeAspect="1" noChangeArrowheads="1"/>
           </p:cNvPicPr>
           <p:nvPr/>
         </p:nvPicPr>
         <p:blipFill>
-          <a:blip r:embed="rId5" cstate="print"/>
+          <a:blip r:embed="rId4" cstate="print"/>
           <a:srcRect/>
           <a:stretch>
             <a:fillRect/>
@@ -6347,8 +6595,8 @@
         </p:blipFill>
         <p:spPr bwMode="auto">
           <a:xfrm>
-            <a:off x="3779912" y="2996952"/>
-            <a:ext cx="373508" cy="376516"/>
+            <a:off x="4499992" y="3789040"/>
+            <a:ext cx="518294" cy="518294"/>
           </a:xfrm>
           <a:prstGeom prst="rect">
             <a:avLst/>
@@ -6356,6 +6604,44 @@
           <a:noFill/>
         </p:spPr>
       </p:pic>
+      <p:sp>
+        <p:nvSpPr>
+          <p:cNvPr id="12" name="ZoneTexte 11"/>
+          <p:cNvSpPr txBox="1"/>
+          <p:nvPr/>
+        </p:nvSpPr>
+        <p:spPr>
+          <a:xfrm>
+            <a:off x="3059832" y="2924944"/>
+            <a:ext cx="3168352" cy="369332"/>
+          </a:xfrm>
+          <a:prstGeom prst="rect">
+            <a:avLst/>
+          </a:prstGeom>
+          <a:noFill/>
+        </p:spPr>
+        <p:txBody>
+          <a:bodyPr wrap="square" rtlCol="0">
+            <a:spAutoFit/>
+          </a:bodyPr>
+          <a:lstStyle/>
+          <a:p>
+            <a:r>
+              <a:rPr lang="fr-FR" dirty="0" smtClean="0"/>
+              <a:t>Ticket-</a:t>
+            </a:r>
+            <a:r>
+              <a:rPr lang="fr-FR" dirty="0" err="1" smtClean="0"/>
+              <a:t>Granting</a:t>
+            </a:r>
+            <a:r>
+              <a:rPr lang="fr-FR" dirty="0" smtClean="0"/>
+              <a:t> Ticket (TGT)</a:t>
+            </a:r>
+            <a:endParaRPr lang="fr-FR" dirty="0"/>
+          </a:p>
+        </p:txBody>
+      </p:sp>
     </p:spTree>
   </p:cSld>
   <p:clrMapOvr>

--- a/trunk/Powerpoint/projetsynthese.pptx
+++ b/trunk/Powerpoint/projetsynthese.pptx
@@ -5,7 +5,7 @@
     <p:sldMasterId id="2147483660" r:id="rId1"/>
   </p:sldMasterIdLst>
   <p:notesMasterIdLst>
-    <p:notesMasterId r:id="rId15"/>
+    <p:notesMasterId r:id="rId16"/>
   </p:notesMasterIdLst>
   <p:sldIdLst>
     <p:sldId id="256" r:id="rId2"/>
@@ -21,6 +21,7 @@
     <p:sldId id="263" r:id="rId12"/>
     <p:sldId id="264" r:id="rId13"/>
     <p:sldId id="266" r:id="rId14"/>
+    <p:sldId id="270" r:id="rId15"/>
   </p:sldIdLst>
   <p:sldSz cx="9144000" cy="6858000" type="screen4x3"/>
   <p:notesSz cx="6858000" cy="9144000"/>
@@ -205,7 +206,7 @@
             <a:fld id="{5F3B6B28-F4B8-452A-A8CD-270058C776D0}" type="datetimeFigureOut">
               <a:rPr lang="fr-FR" smtClean="0"/>
               <a:pPr/>
-              <a:t>02/11/2010</a:t>
+              <a:t>09/11/2010</a:t>
             </a:fld>
             <a:endParaRPr lang="fr-FR"/>
           </a:p>
@@ -856,7 +857,7 @@
             <a:fld id="{AA309A6D-C09C-4548-B29A-6CF363A7E532}" type="datetimeFigureOut">
               <a:rPr lang="fr-FR" smtClean="0"/>
               <a:pPr/>
-              <a:t>02/11/2010</a:t>
+              <a:t>09/11/2010</a:t>
             </a:fld>
             <a:endParaRPr lang="fr-BE"/>
           </a:p>
@@ -1023,7 +1024,7 @@
             <a:fld id="{AA309A6D-C09C-4548-B29A-6CF363A7E532}" type="datetimeFigureOut">
               <a:rPr lang="fr-FR" smtClean="0"/>
               <a:pPr/>
-              <a:t>02/11/2010</a:t>
+              <a:t>09/11/2010</a:t>
             </a:fld>
             <a:endParaRPr lang="fr-BE"/>
           </a:p>
@@ -1200,7 +1201,7 @@
             <a:fld id="{AA309A6D-C09C-4548-B29A-6CF363A7E532}" type="datetimeFigureOut">
               <a:rPr lang="fr-FR" smtClean="0"/>
               <a:pPr/>
-              <a:t>02/11/2010</a:t>
+              <a:t>09/11/2010</a:t>
             </a:fld>
             <a:endParaRPr lang="fr-BE"/>
           </a:p>
@@ -1371,7 +1372,7 @@
             <a:fld id="{AA309A6D-C09C-4548-B29A-6CF363A7E532}" type="datetimeFigureOut">
               <a:rPr lang="fr-FR" smtClean="0"/>
               <a:pPr/>
-              <a:t>02/11/2010</a:t>
+              <a:t>09/11/2010</a:t>
             </a:fld>
             <a:endParaRPr lang="fr-BE"/>
           </a:p>
@@ -1828,7 +1829,7 @@
             <a:fld id="{AA309A6D-C09C-4548-B29A-6CF363A7E532}" type="datetimeFigureOut">
               <a:rPr lang="fr-FR" smtClean="0"/>
               <a:pPr/>
-              <a:t>02/11/2010</a:t>
+              <a:t>09/11/2010</a:t>
             </a:fld>
             <a:endParaRPr lang="fr-BE"/>
           </a:p>
@@ -2094,7 +2095,7 @@
             <a:fld id="{AA309A6D-C09C-4548-B29A-6CF363A7E532}" type="datetimeFigureOut">
               <a:rPr lang="fr-FR" smtClean="0"/>
               <a:pPr/>
-              <a:t>02/11/2010</a:t>
+              <a:t>09/11/2010</a:t>
             </a:fld>
             <a:endParaRPr lang="fr-BE"/>
           </a:p>
@@ -2470,7 +2471,7 @@
             <a:fld id="{AA309A6D-C09C-4548-B29A-6CF363A7E532}" type="datetimeFigureOut">
               <a:rPr lang="fr-FR" smtClean="0"/>
               <a:pPr/>
-              <a:t>02/11/2010</a:t>
+              <a:t>09/11/2010</a:t>
             </a:fld>
             <a:endParaRPr lang="fr-BE"/>
           </a:p>
@@ -2594,7 +2595,7 @@
             <a:fld id="{AA309A6D-C09C-4548-B29A-6CF363A7E532}" type="datetimeFigureOut">
               <a:rPr lang="fr-FR" smtClean="0"/>
               <a:pPr/>
-              <a:t>02/11/2010</a:t>
+              <a:t>09/11/2010</a:t>
             </a:fld>
             <a:endParaRPr lang="fr-BE"/>
           </a:p>
@@ -2686,7 +2687,7 @@
             <a:fld id="{AA309A6D-C09C-4548-B29A-6CF363A7E532}" type="datetimeFigureOut">
               <a:rPr lang="fr-FR" smtClean="0"/>
               <a:pPr/>
-              <a:t>02/11/2010</a:t>
+              <a:t>09/11/2010</a:t>
             </a:fld>
             <a:endParaRPr lang="fr-BE"/>
           </a:p>
@@ -2937,7 +2938,7 @@
             <a:fld id="{AA309A6D-C09C-4548-B29A-6CF363A7E532}" type="datetimeFigureOut">
               <a:rPr lang="fr-FR" smtClean="0"/>
               <a:pPr/>
-              <a:t>02/11/2010</a:t>
+              <a:t>09/11/2010</a:t>
             </a:fld>
             <a:endParaRPr lang="fr-BE"/>
           </a:p>
@@ -3198,7 +3199,7 @@
             <a:fld id="{AA309A6D-C09C-4548-B29A-6CF363A7E532}" type="datetimeFigureOut">
               <a:rPr lang="fr-FR" smtClean="0"/>
               <a:pPr/>
-              <a:t>02/11/2010</a:t>
+              <a:t>09/11/2010</a:t>
             </a:fld>
             <a:endParaRPr lang="fr-BE"/>
           </a:p>
@@ -3604,7 +3605,7 @@
             <a:fld id="{AA309A6D-C09C-4548-B29A-6CF363A7E532}" type="datetimeFigureOut">
               <a:rPr lang="fr-FR" smtClean="0"/>
               <a:pPr/>
-              <a:t>02/11/2010</a:t>
+              <a:t>09/11/2010</a:t>
             </a:fld>
             <a:endParaRPr lang="fr-BE"/>
           </a:p>
@@ -5454,6 +5455,123 @@
 </p:sld>
 </file>
 
+<file path=ppt/slides/slide14.xml><?xml version="1.0" encoding="utf-8"?>
+<p:sld xmlns:a="http://schemas.openxmlformats.org/drawingml/2006/main" xmlns:r="http://schemas.openxmlformats.org/officeDocument/2006/relationships" xmlns:p="http://schemas.openxmlformats.org/presentationml/2006/main">
+  <p:cSld>
+    <p:spTree>
+      <p:nvGrpSpPr>
+        <p:cNvPr id="1" name=""/>
+        <p:cNvGrpSpPr/>
+        <p:nvPr/>
+      </p:nvGrpSpPr>
+      <p:grpSpPr>
+        <a:xfrm>
+          <a:off x="0" y="0"/>
+          <a:ext cx="0" cy="0"/>
+          <a:chOff x="0" y="0"/>
+          <a:chExt cx="0" cy="0"/>
+        </a:xfrm>
+      </p:grpSpPr>
+      <p:sp>
+        <p:nvSpPr>
+          <p:cNvPr id="2" name="Titre 1"/>
+          <p:cNvSpPr>
+            <a:spLocks noGrp="1"/>
+          </p:cNvSpPr>
+          <p:nvPr>
+            <p:ph type="title"/>
+          </p:nvPr>
+        </p:nvSpPr>
+        <p:spPr/>
+        <p:txBody>
+          <a:bodyPr/>
+          <a:lstStyle/>
+          <a:p>
+            <a:r>
+              <a:rPr lang="fr-FR" dirty="0" err="1" smtClean="0"/>
+              <a:t>Kerberos</a:t>
+            </a:r>
+            <a:r>
+              <a:rPr lang="fr-FR" dirty="0" smtClean="0"/>
+              <a:t> : Implémentation</a:t>
+            </a:r>
+            <a:endParaRPr lang="fr-FR" dirty="0"/>
+          </a:p>
+        </p:txBody>
+      </p:sp>
+      <p:pic>
+        <p:nvPicPr>
+          <p:cNvPr id="1027" name="Picture 3"/>
+          <p:cNvPicPr>
+            <a:picLocks noChangeAspect="1" noChangeArrowheads="1"/>
+          </p:cNvPicPr>
+          <p:nvPr/>
+        </p:nvPicPr>
+        <p:blipFill>
+          <a:blip r:embed="rId2" cstate="print"/>
+          <a:srcRect/>
+          <a:stretch>
+            <a:fillRect/>
+          </a:stretch>
+        </p:blipFill>
+        <p:spPr bwMode="auto">
+          <a:xfrm>
+            <a:off x="251520" y="1844824"/>
+            <a:ext cx="8649022" cy="4829496"/>
+          </a:xfrm>
+          <a:prstGeom prst="rect">
+            <a:avLst/>
+          </a:prstGeom>
+          <a:noFill/>
+          <a:ln w="9525">
+            <a:noFill/>
+            <a:miter lim="800000"/>
+            <a:headEnd/>
+            <a:tailEnd/>
+          </a:ln>
+        </p:spPr>
+      </p:pic>
+      <p:pic>
+        <p:nvPicPr>
+          <p:cNvPr id="1026" name="Picture 2"/>
+          <p:cNvPicPr>
+            <a:picLocks noChangeAspect="1" noChangeArrowheads="1"/>
+          </p:cNvPicPr>
+          <p:nvPr/>
+        </p:nvPicPr>
+        <p:blipFill>
+          <a:blip r:embed="rId3" cstate="print"/>
+          <a:srcRect/>
+          <a:stretch>
+            <a:fillRect/>
+          </a:stretch>
+        </p:blipFill>
+        <p:spPr bwMode="auto">
+          <a:xfrm>
+            <a:off x="2771800" y="4221088"/>
+            <a:ext cx="5676900" cy="1724025"/>
+          </a:xfrm>
+          <a:prstGeom prst="rect">
+            <a:avLst/>
+          </a:prstGeom>
+          <a:ln>
+            <a:noFill/>
+          </a:ln>
+          <a:effectLst>
+            <a:outerShdw blurRad="812800" sx="103000" sy="103000" algn="tl" rotWithShape="0">
+              <a:srgbClr val="000000"/>
+            </a:outerShdw>
+          </a:effectLst>
+        </p:spPr>
+      </p:pic>
+    </p:spTree>
+  </p:cSld>
+  <p:clrMapOvr>
+    <a:masterClrMapping/>
+  </p:clrMapOvr>
+</p:sld>
+</file>
+
 <file path=ppt/slides/slide2.xml><?xml version="1.0" encoding="utf-8"?>
 <p:sld xmlns:a="http://schemas.openxmlformats.org/drawingml/2006/main" xmlns:r="http://schemas.openxmlformats.org/officeDocument/2006/relationships" xmlns:p="http://schemas.openxmlformats.org/presentationml/2006/main">
   <p:cSld>
@@ -5663,7 +5781,6 @@
               <a:rPr lang="fr-FR" dirty="0" smtClean="0"/>
               <a:t>L’autorité de certification</a:t>
             </a:r>
-            <a:endParaRPr lang="fr-FR" dirty="0" smtClean="0"/>
           </a:p>
           <a:p>
             <a:r>
@@ -5779,7 +5896,7 @@
           <a:blip r:embed="rId2" cstate="print">
             <a:extLst>
               <a:ext uri="{28A0092B-C50C-407E-A947-70E740481C1C}">
-                <a14:useLocalDpi xmlns="" xmlns:wpc="http://schemas.microsoft.com/office/word/2010/wordprocessingCanvas" xmlns:mc="http://schemas.openxmlformats.org/markup-compatibility/2006" xmlns:o="urn:schemas-microsoft-com:office:office" xmlns:m="http://schemas.openxmlformats.org/officeDocument/2006/math" xmlns:v="urn:schemas-microsoft-com:vml" xmlns:wp14="http://schemas.microsoft.com/office/word/2010/wordprocessingDrawing" xmlns:wp="http://schemas.openxmlformats.org/drawingml/2006/wordprocessingDrawing" xmlns:w10="urn:schemas-microsoft-com:office:word" xmlns:w="http://schemas.openxmlformats.org/wordprocessingml/2006/main" xmlns:w14="http://schemas.microsoft.com/office/word/2010/wordml" xmlns:wpg="http://schemas.microsoft.com/office/word/2010/wordprocessingGroup" xmlns:wpi="http://schemas.microsoft.com/office/word/2010/wordprocessingInk" xmlns:wne="http://schemas.microsoft.com/office/word/2006/wordml" xmlns:wps="http://schemas.microsoft.com/office/word/2010/wordprocessingShape" xmlns:a14="http://schemas.microsoft.com/office/drawing/2010/main" xmlns:pic="http://schemas.openxmlformats.org/drawingml/2006/picture" xmlns:lc="http://schemas.openxmlformats.org/drawingml/2006/lockedCanvas" val="0"/>
+                <a14:useLocalDpi xmlns:lc="http://schemas.openxmlformats.org/drawingml/2006/lockedCanvas" xmlns:pic="http://schemas.openxmlformats.org/drawingml/2006/picture" xmlns:a14="http://schemas.microsoft.com/office/drawing/2010/main" xmlns:wps="http://schemas.microsoft.com/office/word/2010/wordprocessingShape" xmlns:wne="http://schemas.microsoft.com/office/word/2006/wordml" xmlns:wpi="http://schemas.microsoft.com/office/word/2010/wordprocessingInk" xmlns:wpg="http://schemas.microsoft.com/office/word/2010/wordprocessingGroup" xmlns:w14="http://schemas.microsoft.com/office/word/2010/wordml" xmlns:w="http://schemas.openxmlformats.org/wordprocessingml/2006/main" xmlns:w10="urn:schemas-microsoft-com:office:word" xmlns:wp="http://schemas.openxmlformats.org/drawingml/2006/wordprocessingDrawing" xmlns:wp14="http://schemas.microsoft.com/office/word/2010/wordprocessingDrawing" xmlns:v="urn:schemas-microsoft-com:vml" xmlns:m="http://schemas.openxmlformats.org/officeDocument/2006/math" xmlns:o="urn:schemas-microsoft-com:office:office" xmlns:mc="http://schemas.openxmlformats.org/markup-compatibility/2006" xmlns:wpc="http://schemas.microsoft.com/office/word/2010/wordprocessingCanvas" xmlns="" val="0"/>
               </a:ext>
             </a:extLst>
           </a:blip>
